--- a/Java项目展示-步一凡 张美喆副本.pptx
+++ b/Java项目展示-步一凡 张美喆副本.pptx
@@ -5,7 +5,7 @@
     <p:sldMasterId id="2147483673" r:id="rId1"/>
   </p:sldMasterIdLst>
   <p:notesMasterIdLst>
-    <p:notesMasterId r:id="rId14"/>
+    <p:notesMasterId r:id="rId18"/>
   </p:notesMasterIdLst>
   <p:sldIdLst>
     <p:sldId id="490" r:id="rId2"/>
@@ -14,17 +14,21 @@
     <p:sldId id="503" r:id="rId5"/>
     <p:sldId id="530" r:id="rId6"/>
     <p:sldId id="529" r:id="rId7"/>
-    <p:sldId id="492" r:id="rId8"/>
-    <p:sldId id="531" r:id="rId9"/>
-    <p:sldId id="493" r:id="rId10"/>
-    <p:sldId id="532" r:id="rId11"/>
-    <p:sldId id="495" r:id="rId12"/>
-    <p:sldId id="497" r:id="rId13"/>
+    <p:sldId id="535" r:id="rId8"/>
+    <p:sldId id="533" r:id="rId9"/>
+    <p:sldId id="534" r:id="rId10"/>
+    <p:sldId id="536" r:id="rId11"/>
+    <p:sldId id="492" r:id="rId12"/>
+    <p:sldId id="531" r:id="rId13"/>
+    <p:sldId id="493" r:id="rId14"/>
+    <p:sldId id="532" r:id="rId15"/>
+    <p:sldId id="495" r:id="rId16"/>
+    <p:sldId id="497" r:id="rId17"/>
   </p:sldIdLst>
   <p:sldSz cx="12192000" cy="6858000"/>
   <p:notesSz cx="6858000" cy="9144000"/>
   <p:custDataLst>
-    <p:tags r:id="rId15"/>
+    <p:tags r:id="rId19"/>
   </p:custDataLst>
   <p:defaultTextStyle>
     <a:defPPr>
@@ -3628,7 +3632,7 @@
           <a:p>
             <a:fld id="{60E247B2-D573-4D7F-86B4-979C544C0E7E}" type="datetimeFigureOut">
               <a:rPr lang="zh-CN" altLang="en-US" smtClean="0"/>
-              <a:t>2022/5/31</a:t>
+              <a:t>2022/6/1</a:t>
             </a:fld>
             <a:endParaRPr lang="zh-CN" altLang="en-US"/>
           </a:p>
@@ -4044,7 +4048,7 @@
           <a:p>
             <a:fld id="{255B3570-1901-4791-89B4-2EEBE84D18D9}" type="slidenum">
               <a:rPr lang="zh-CN" altLang="en-US" smtClean="0"/>
-              <a:t>12</a:t>
+              <a:t>16</a:t>
             </a:fld>
             <a:endParaRPr lang="zh-CN" altLang="en-US"/>
           </a:p>
@@ -4548,7 +4552,7 @@
           <a:p>
             <a:fld id="{255B3570-1901-4791-89B4-2EEBE84D18D9}" type="slidenum">
               <a:rPr lang="zh-CN" altLang="en-US" smtClean="0"/>
-              <a:t>7</a:t>
+              <a:t>11</a:t>
             </a:fld>
             <a:endParaRPr lang="zh-CN" altLang="en-US"/>
           </a:p>
@@ -4632,7 +4636,7 @@
           <a:p>
             <a:fld id="{255B3570-1901-4791-89B4-2EEBE84D18D9}" type="slidenum">
               <a:rPr lang="zh-CN" altLang="en-US" smtClean="0"/>
-              <a:t>9</a:t>
+              <a:t>13</a:t>
             </a:fld>
             <a:endParaRPr lang="zh-CN" altLang="en-US"/>
           </a:p>
@@ -4716,7 +4720,7 @@
           <a:p>
             <a:fld id="{255B3570-1901-4791-89B4-2EEBE84D18D9}" type="slidenum">
               <a:rPr lang="zh-CN" altLang="en-US" smtClean="0"/>
-              <a:t>11</a:t>
+              <a:t>15</a:t>
             </a:fld>
             <a:endParaRPr lang="zh-CN" altLang="en-US"/>
           </a:p>
@@ -4785,7 +4789,7 @@
           <a:p>
             <a:fld id="{8035C5D1-AD16-4B01-871F-DE047A6CFB67}" type="datetimeFigureOut">
               <a:rPr lang="zh-CN" altLang="en-US" smtClean="0"/>
-              <a:t>2022/5/31</a:t>
+              <a:t>2022/6/1</a:t>
             </a:fld>
             <a:endParaRPr lang="zh-CN" altLang="en-US"/>
           </a:p>
@@ -5558,7 +5562,7 @@
               <a:pPr>
                 <a:defRPr/>
               </a:pPr>
-              <a:t>2022/5/31</a:t>
+              <a:t>2022/6/1</a:t>
             </a:fld>
             <a:endParaRPr lang="zh-CN" altLang="en-US"/>
           </a:p>
@@ -6961,6 +6965,2242 @@
           <p:cNvPr id="3" name="图片 2">
             <a:extLst>
               <a:ext uri="{FF2B5EF4-FFF2-40B4-BE49-F238E27FC236}">
+                <a16:creationId xmlns:a16="http://schemas.microsoft.com/office/drawing/2014/main" id="{3BB973FA-61D1-AEC0-3154-8F67D9327F68}"/>
+              </a:ext>
+            </a:extLst>
+          </p:cNvPr>
+          <p:cNvPicPr>
+            <a:picLocks noChangeAspect="1"/>
+          </p:cNvPicPr>
+          <p:nvPr/>
+        </p:nvPicPr>
+        <p:blipFill>
+          <a:blip r:embed="rId2"/>
+          <a:stretch>
+            <a:fillRect/>
+          </a:stretch>
+        </p:blipFill>
+        <p:spPr>
+          <a:xfrm>
+            <a:off x="250953" y="342632"/>
+            <a:ext cx="11690093" cy="6172735"/>
+          </a:xfrm>
+          <a:prstGeom prst="rect">
+            <a:avLst/>
+          </a:prstGeom>
+        </p:spPr>
+      </p:pic>
+    </p:spTree>
+    <p:extLst>
+      <p:ext uri="{BB962C8B-B14F-4D97-AF65-F5344CB8AC3E}">
+        <p14:creationId xmlns:p14="http://schemas.microsoft.com/office/powerpoint/2010/main" val="1422781452"/>
+      </p:ext>
+    </p:extLst>
+  </p:cSld>
+  <p:clrMapOvr>
+    <a:masterClrMapping/>
+  </p:clrMapOvr>
+  <mc:AlternateContent xmlns:mc="http://schemas.openxmlformats.org/markup-compatibility/2006" xmlns:p14="http://schemas.microsoft.com/office/powerpoint/2010/main">
+    <mc:Choice Requires="p14">
+      <p:transition spd="slow" p14:dur="1500" advTm="3000">
+        <p:random/>
+      </p:transition>
+    </mc:Choice>
+    <mc:Fallback xmlns="">
+      <p:transition spd="slow" advTm="3000">
+        <p:random/>
+      </p:transition>
+    </mc:Fallback>
+  </mc:AlternateContent>
+</p:sld>
+</file>
+
+<file path=ppt/slides/slide11.xml><?xml version="1.0" encoding="utf-8"?>
+<p:sld xmlns:a="http://schemas.openxmlformats.org/drawingml/2006/main" xmlns:r="http://schemas.openxmlformats.org/officeDocument/2006/relationships" xmlns:p="http://schemas.openxmlformats.org/presentationml/2006/main">
+  <p:cSld>
+    <p:spTree>
+      <p:nvGrpSpPr>
+        <p:cNvPr id="1" name=""/>
+        <p:cNvGrpSpPr/>
+        <p:nvPr/>
+      </p:nvGrpSpPr>
+      <p:grpSpPr>
+        <a:xfrm>
+          <a:off x="0" y="0"/>
+          <a:ext cx="0" cy="0"/>
+          <a:chOff x="0" y="0"/>
+          <a:chExt cx="0" cy="0"/>
+        </a:xfrm>
+      </p:grpSpPr>
+      <p:sp>
+        <p:nvSpPr>
+          <p:cNvPr id="42" name="矩形 41">
+            <a:extLst>
+              <a:ext uri="{FF2B5EF4-FFF2-40B4-BE49-F238E27FC236}">
+                <a16:creationId xmlns:a16="http://schemas.microsoft.com/office/drawing/2014/main" id="{704141B5-1126-40ED-B9A4-7CACFC74C7C8}"/>
+              </a:ext>
+            </a:extLst>
+          </p:cNvPr>
+          <p:cNvSpPr/>
+          <p:nvPr/>
+        </p:nvSpPr>
+        <p:spPr>
+          <a:xfrm>
+            <a:off x="3274541" y="2890468"/>
+            <a:ext cx="8192529" cy="769441"/>
+          </a:xfrm>
+          <a:prstGeom prst="rect">
+            <a:avLst/>
+          </a:prstGeom>
+        </p:spPr>
+        <p:txBody>
+          <a:bodyPr wrap="square">
+            <a:spAutoFit/>
+          </a:bodyPr>
+          <a:lstStyle/>
+          <a:p>
+            <a:pPr lvl="0" algn="ctr">
+              <a:defRPr/>
+            </a:pPr>
+            <a:r>
+              <a:rPr lang="zh-CN" altLang="en-US" sz="4400" b="1" kern="100" dirty="0">
+                <a:solidFill>
+                  <a:srgbClr val="49889B"/>
+                </a:solidFill>
+                <a:latin typeface="微软雅黑" panose="020B0503020204020204" pitchFamily="34" charset="-122"/>
+                <a:ea typeface="微软雅黑" panose="020B0503020204020204" pitchFamily="34" charset="-122"/>
+                <a:cs typeface="Times New Roman" panose="02020603050405020304" pitchFamily="18" charset="0"/>
+              </a:rPr>
+              <a:t>二、代码实现</a:t>
+            </a:r>
+          </a:p>
+        </p:txBody>
+      </p:sp>
+      <p:grpSp>
+        <p:nvGrpSpPr>
+          <p:cNvPr id="7" name="组合 6">
+            <a:extLst>
+              <a:ext uri="{FF2B5EF4-FFF2-40B4-BE49-F238E27FC236}">
+                <a16:creationId xmlns:a16="http://schemas.microsoft.com/office/drawing/2014/main" id="{340E8A55-D79A-719B-F056-0A07FD5B9A05}"/>
+              </a:ext>
+            </a:extLst>
+          </p:cNvPr>
+          <p:cNvGrpSpPr/>
+          <p:nvPr/>
+        </p:nvGrpSpPr>
+        <p:grpSpPr>
+          <a:xfrm>
+            <a:off x="1164516" y="2335758"/>
+            <a:ext cx="1527883" cy="1554050"/>
+            <a:chOff x="4584701" y="522287"/>
+            <a:chExt cx="2744788" cy="2752726"/>
+          </a:xfrm>
+          <a:solidFill>
+            <a:srgbClr val="202A36"/>
+          </a:solidFill>
+        </p:grpSpPr>
+        <p:sp>
+          <p:nvSpPr>
+            <p:cNvPr id="9" name="Oval 5">
+              <a:extLst>
+                <a:ext uri="{FF2B5EF4-FFF2-40B4-BE49-F238E27FC236}">
+                  <a16:creationId xmlns:a16="http://schemas.microsoft.com/office/drawing/2014/main" id="{43188E9E-EC71-DA4B-7A30-8ADCB2E740AA}"/>
+                </a:ext>
+              </a:extLst>
+            </p:cNvPr>
+            <p:cNvSpPr>
+              <a:spLocks noChangeArrowheads="1"/>
+            </p:cNvSpPr>
+            <p:nvPr/>
+          </p:nvSpPr>
+          <p:spPr bwMode="auto">
+            <a:xfrm>
+              <a:off x="4837113" y="774700"/>
+              <a:ext cx="2238375" cy="2246313"/>
+            </a:xfrm>
+            <a:prstGeom prst="ellipse">
+              <a:avLst/>
+            </a:prstGeom>
+            <a:solidFill>
+              <a:srgbClr val="49889B"/>
+            </a:solidFill>
+            <a:ln w="9525">
+              <a:noFill/>
+              <a:round/>
+              <a:headEnd/>
+              <a:tailEnd/>
+            </a:ln>
+          </p:spPr>
+          <p:txBody>
+            <a:bodyPr vert="horz" wrap="square" lIns="91440" tIns="45720" rIns="91440" bIns="45720" numCol="1" anchor="t" anchorCtr="0" compatLnSpc="1">
+              <a:prstTxWarp prst="textNoShape">
+                <a:avLst/>
+              </a:prstTxWarp>
+            </a:bodyPr>
+            <a:lstStyle/>
+            <a:p>
+              <a:pPr marL="0" marR="0" lvl="0" indent="0" algn="l" defTabSz="914400" rtl="0" eaLnBrk="1" fontAlgn="auto" latinLnBrk="0" hangingPunct="1">
+                <a:lnSpc>
+                  <a:spcPct val="100000"/>
+                </a:lnSpc>
+                <a:spcBef>
+                  <a:spcPts val="0"/>
+                </a:spcBef>
+                <a:spcAft>
+                  <a:spcPts val="0"/>
+                </a:spcAft>
+                <a:buClrTx/>
+                <a:buSzTx/>
+                <a:buFontTx/>
+                <a:buNone/>
+                <a:tabLst/>
+                <a:defRPr/>
+              </a:pPr>
+              <a:endParaRPr kumimoji="0" lang="zh-CN" altLang="en-US" sz="1800" b="0" i="0" u="none" strike="noStrike" kern="1200" cap="none" spc="0" normalizeH="0" baseline="0" noProof="0">
+                <a:ln>
+                  <a:noFill/>
+                </a:ln>
+                <a:solidFill>
+                  <a:prstClr val="black"/>
+                </a:solidFill>
+                <a:effectLst/>
+                <a:uLnTx/>
+                <a:uFillTx/>
+                <a:latin typeface="Calibri"/>
+                <a:ea typeface="宋体" panose="02010600030101010101" pitchFamily="2" charset="-122"/>
+                <a:cs typeface="+mn-cs"/>
+              </a:endParaRPr>
+            </a:p>
+          </p:txBody>
+        </p:sp>
+        <p:sp>
+          <p:nvSpPr>
+            <p:cNvPr id="10" name="Freeform 6">
+              <a:extLst>
+                <a:ext uri="{FF2B5EF4-FFF2-40B4-BE49-F238E27FC236}">
+                  <a16:creationId xmlns:a16="http://schemas.microsoft.com/office/drawing/2014/main" id="{72675791-3AAB-15A8-364F-DFF2F6BC980E}"/>
+                </a:ext>
+              </a:extLst>
+            </p:cNvPr>
+            <p:cNvSpPr>
+              <a:spLocks noEditPoints="1"/>
+            </p:cNvSpPr>
+            <p:nvPr/>
+          </p:nvSpPr>
+          <p:spPr bwMode="auto">
+            <a:xfrm>
+              <a:off x="4584701" y="522287"/>
+              <a:ext cx="2744788" cy="2752726"/>
+            </a:xfrm>
+            <a:custGeom>
+              <a:avLst/>
+              <a:gdLst>
+                <a:gd name="T0" fmla="*/ 592 w 1184"/>
+                <a:gd name="T1" fmla="*/ 0 h 1184"/>
+                <a:gd name="T2" fmla="*/ 0 w 1184"/>
+                <a:gd name="T3" fmla="*/ 592 h 1184"/>
+                <a:gd name="T4" fmla="*/ 592 w 1184"/>
+                <a:gd name="T5" fmla="*/ 1184 h 1184"/>
+                <a:gd name="T6" fmla="*/ 1184 w 1184"/>
+                <a:gd name="T7" fmla="*/ 592 h 1184"/>
+                <a:gd name="T8" fmla="*/ 592 w 1184"/>
+                <a:gd name="T9" fmla="*/ 0 h 1184"/>
+                <a:gd name="T10" fmla="*/ 941 w 1184"/>
+                <a:gd name="T11" fmla="*/ 941 h 1184"/>
+                <a:gd name="T12" fmla="*/ 784 w 1184"/>
+                <a:gd name="T13" fmla="*/ 1047 h 1184"/>
+                <a:gd name="T14" fmla="*/ 592 w 1184"/>
+                <a:gd name="T15" fmla="*/ 1085 h 1184"/>
+                <a:gd name="T16" fmla="*/ 400 w 1184"/>
+                <a:gd name="T17" fmla="*/ 1047 h 1184"/>
+                <a:gd name="T18" fmla="*/ 243 w 1184"/>
+                <a:gd name="T19" fmla="*/ 941 h 1184"/>
+                <a:gd name="T20" fmla="*/ 137 w 1184"/>
+                <a:gd name="T21" fmla="*/ 784 h 1184"/>
+                <a:gd name="T22" fmla="*/ 99 w 1184"/>
+                <a:gd name="T23" fmla="*/ 592 h 1184"/>
+                <a:gd name="T24" fmla="*/ 137 w 1184"/>
+                <a:gd name="T25" fmla="*/ 400 h 1184"/>
+                <a:gd name="T26" fmla="*/ 243 w 1184"/>
+                <a:gd name="T27" fmla="*/ 243 h 1184"/>
+                <a:gd name="T28" fmla="*/ 400 w 1184"/>
+                <a:gd name="T29" fmla="*/ 137 h 1184"/>
+                <a:gd name="T30" fmla="*/ 592 w 1184"/>
+                <a:gd name="T31" fmla="*/ 99 h 1184"/>
+                <a:gd name="T32" fmla="*/ 784 w 1184"/>
+                <a:gd name="T33" fmla="*/ 137 h 1184"/>
+                <a:gd name="T34" fmla="*/ 941 w 1184"/>
+                <a:gd name="T35" fmla="*/ 243 h 1184"/>
+                <a:gd name="T36" fmla="*/ 1047 w 1184"/>
+                <a:gd name="T37" fmla="*/ 400 h 1184"/>
+                <a:gd name="T38" fmla="*/ 1085 w 1184"/>
+                <a:gd name="T39" fmla="*/ 592 h 1184"/>
+                <a:gd name="T40" fmla="*/ 1047 w 1184"/>
+                <a:gd name="T41" fmla="*/ 784 h 1184"/>
+                <a:gd name="T42" fmla="*/ 941 w 1184"/>
+                <a:gd name="T43" fmla="*/ 941 h 1184"/>
+              </a:gdLst>
+              <a:ahLst/>
+              <a:cxnLst>
+                <a:cxn ang="0">
+                  <a:pos x="T0" y="T1"/>
+                </a:cxn>
+                <a:cxn ang="0">
+                  <a:pos x="T2" y="T3"/>
+                </a:cxn>
+                <a:cxn ang="0">
+                  <a:pos x="T4" y="T5"/>
+                </a:cxn>
+                <a:cxn ang="0">
+                  <a:pos x="T6" y="T7"/>
+                </a:cxn>
+                <a:cxn ang="0">
+                  <a:pos x="T8" y="T9"/>
+                </a:cxn>
+                <a:cxn ang="0">
+                  <a:pos x="T10" y="T11"/>
+                </a:cxn>
+                <a:cxn ang="0">
+                  <a:pos x="T12" y="T13"/>
+                </a:cxn>
+                <a:cxn ang="0">
+                  <a:pos x="T14" y="T15"/>
+                </a:cxn>
+                <a:cxn ang="0">
+                  <a:pos x="T16" y="T17"/>
+                </a:cxn>
+                <a:cxn ang="0">
+                  <a:pos x="T18" y="T19"/>
+                </a:cxn>
+                <a:cxn ang="0">
+                  <a:pos x="T20" y="T21"/>
+                </a:cxn>
+                <a:cxn ang="0">
+                  <a:pos x="T22" y="T23"/>
+                </a:cxn>
+                <a:cxn ang="0">
+                  <a:pos x="T24" y="T25"/>
+                </a:cxn>
+                <a:cxn ang="0">
+                  <a:pos x="T26" y="T27"/>
+                </a:cxn>
+                <a:cxn ang="0">
+                  <a:pos x="T28" y="T29"/>
+                </a:cxn>
+                <a:cxn ang="0">
+                  <a:pos x="T30" y="T31"/>
+                </a:cxn>
+                <a:cxn ang="0">
+                  <a:pos x="T32" y="T33"/>
+                </a:cxn>
+                <a:cxn ang="0">
+                  <a:pos x="T34" y="T35"/>
+                </a:cxn>
+                <a:cxn ang="0">
+                  <a:pos x="T36" y="T37"/>
+                </a:cxn>
+                <a:cxn ang="0">
+                  <a:pos x="T38" y="T39"/>
+                </a:cxn>
+                <a:cxn ang="0">
+                  <a:pos x="T40" y="T41"/>
+                </a:cxn>
+                <a:cxn ang="0">
+                  <a:pos x="T42" y="T43"/>
+                </a:cxn>
+              </a:cxnLst>
+              <a:rect l="0" t="0" r="r" b="b"/>
+              <a:pathLst>
+                <a:path w="1184" h="1184">
+                  <a:moveTo>
+                    <a:pt x="592" y="0"/>
+                  </a:moveTo>
+                  <a:cubicBezTo>
+                    <a:pt x="265" y="0"/>
+                    <a:pt x="0" y="265"/>
+                    <a:pt x="0" y="592"/>
+                  </a:cubicBezTo>
+                  <a:cubicBezTo>
+                    <a:pt x="0" y="919"/>
+                    <a:pt x="265" y="1184"/>
+                    <a:pt x="592" y="1184"/>
+                  </a:cubicBezTo>
+                  <a:cubicBezTo>
+                    <a:pt x="919" y="1184"/>
+                    <a:pt x="1184" y="919"/>
+                    <a:pt x="1184" y="592"/>
+                  </a:cubicBezTo>
+                  <a:cubicBezTo>
+                    <a:pt x="1184" y="265"/>
+                    <a:pt x="919" y="0"/>
+                    <a:pt x="592" y="0"/>
+                  </a:cubicBezTo>
+                  <a:close/>
+                  <a:moveTo>
+                    <a:pt x="941" y="941"/>
+                  </a:moveTo>
+                  <a:cubicBezTo>
+                    <a:pt x="896" y="986"/>
+                    <a:pt x="843" y="1022"/>
+                    <a:pt x="784" y="1047"/>
+                  </a:cubicBezTo>
+                  <a:cubicBezTo>
+                    <a:pt x="723" y="1072"/>
+                    <a:pt x="659" y="1085"/>
+                    <a:pt x="592" y="1085"/>
+                  </a:cubicBezTo>
+                  <a:cubicBezTo>
+                    <a:pt x="525" y="1085"/>
+                    <a:pt x="461" y="1072"/>
+                    <a:pt x="400" y="1047"/>
+                  </a:cubicBezTo>
+                  <a:cubicBezTo>
+                    <a:pt x="341" y="1022"/>
+                    <a:pt x="288" y="986"/>
+                    <a:pt x="243" y="941"/>
+                  </a:cubicBezTo>
+                  <a:cubicBezTo>
+                    <a:pt x="198" y="896"/>
+                    <a:pt x="162" y="843"/>
+                    <a:pt x="137" y="784"/>
+                  </a:cubicBezTo>
+                  <a:cubicBezTo>
+                    <a:pt x="112" y="723"/>
+                    <a:pt x="99" y="659"/>
+                    <a:pt x="99" y="592"/>
+                  </a:cubicBezTo>
+                  <a:cubicBezTo>
+                    <a:pt x="99" y="525"/>
+                    <a:pt x="112" y="461"/>
+                    <a:pt x="137" y="400"/>
+                  </a:cubicBezTo>
+                  <a:cubicBezTo>
+                    <a:pt x="162" y="341"/>
+                    <a:pt x="198" y="288"/>
+                    <a:pt x="243" y="243"/>
+                  </a:cubicBezTo>
+                  <a:cubicBezTo>
+                    <a:pt x="288" y="198"/>
+                    <a:pt x="341" y="162"/>
+                    <a:pt x="400" y="137"/>
+                  </a:cubicBezTo>
+                  <a:cubicBezTo>
+                    <a:pt x="461" y="112"/>
+                    <a:pt x="525" y="99"/>
+                    <a:pt x="592" y="99"/>
+                  </a:cubicBezTo>
+                  <a:cubicBezTo>
+                    <a:pt x="659" y="99"/>
+                    <a:pt x="723" y="112"/>
+                    <a:pt x="784" y="137"/>
+                  </a:cubicBezTo>
+                  <a:cubicBezTo>
+                    <a:pt x="843" y="162"/>
+                    <a:pt x="896" y="198"/>
+                    <a:pt x="941" y="243"/>
+                  </a:cubicBezTo>
+                  <a:cubicBezTo>
+                    <a:pt x="986" y="288"/>
+                    <a:pt x="1022" y="341"/>
+                    <a:pt x="1047" y="400"/>
+                  </a:cubicBezTo>
+                  <a:cubicBezTo>
+                    <a:pt x="1072" y="461"/>
+                    <a:pt x="1085" y="525"/>
+                    <a:pt x="1085" y="592"/>
+                  </a:cubicBezTo>
+                  <a:cubicBezTo>
+                    <a:pt x="1085" y="659"/>
+                    <a:pt x="1072" y="723"/>
+                    <a:pt x="1047" y="784"/>
+                  </a:cubicBezTo>
+                  <a:cubicBezTo>
+                    <a:pt x="1022" y="843"/>
+                    <a:pt x="986" y="896"/>
+                    <a:pt x="941" y="941"/>
+                  </a:cubicBezTo>
+                  <a:close/>
+                </a:path>
+              </a:pathLst>
+            </a:custGeom>
+            <a:solidFill>
+              <a:srgbClr val="49889B"/>
+            </a:solidFill>
+            <a:ln w="9525">
+              <a:noFill/>
+              <a:round/>
+              <a:headEnd/>
+              <a:tailEnd/>
+            </a:ln>
+          </p:spPr>
+          <p:txBody>
+            <a:bodyPr vert="horz" wrap="square" lIns="91440" tIns="45720" rIns="91440" bIns="45720" numCol="1" anchor="t" anchorCtr="0" compatLnSpc="1">
+              <a:prstTxWarp prst="textNoShape">
+                <a:avLst/>
+              </a:prstTxWarp>
+            </a:bodyPr>
+            <a:lstStyle/>
+            <a:p>
+              <a:pPr marL="0" marR="0" lvl="0" indent="0" algn="l" defTabSz="914400" rtl="0" eaLnBrk="1" fontAlgn="auto" latinLnBrk="0" hangingPunct="1">
+                <a:lnSpc>
+                  <a:spcPct val="100000"/>
+                </a:lnSpc>
+                <a:spcBef>
+                  <a:spcPts val="0"/>
+                </a:spcBef>
+                <a:spcAft>
+                  <a:spcPts val="0"/>
+                </a:spcAft>
+                <a:buClrTx/>
+                <a:buSzTx/>
+                <a:buFontTx/>
+                <a:buNone/>
+                <a:tabLst/>
+                <a:defRPr/>
+              </a:pPr>
+              <a:endParaRPr kumimoji="0" lang="zh-CN" altLang="en-US" sz="1800" b="0" i="0" u="none" strike="noStrike" kern="1200" cap="none" spc="0" normalizeH="0" baseline="0" noProof="0">
+                <a:ln>
+                  <a:noFill/>
+                </a:ln>
+                <a:solidFill>
+                  <a:prstClr val="black"/>
+                </a:solidFill>
+                <a:effectLst/>
+                <a:uLnTx/>
+                <a:uFillTx/>
+                <a:latin typeface="Calibri"/>
+                <a:ea typeface="宋体" panose="02010600030101010101" pitchFamily="2" charset="-122"/>
+                <a:cs typeface="+mn-cs"/>
+              </a:endParaRPr>
+            </a:p>
+          </p:txBody>
+        </p:sp>
+      </p:grpSp>
+      <p:pic>
+        <p:nvPicPr>
+          <p:cNvPr id="11" name="图形 10" descr="计算机">
+            <a:extLst>
+              <a:ext uri="{FF2B5EF4-FFF2-40B4-BE49-F238E27FC236}">
+                <a16:creationId xmlns:a16="http://schemas.microsoft.com/office/drawing/2014/main" id="{4E665D26-7F19-C842-0AE6-4FB04BA7D0E0}"/>
+              </a:ext>
+            </a:extLst>
+          </p:cNvPr>
+          <p:cNvPicPr>
+            <a:picLocks noChangeAspect="1"/>
+          </p:cNvPicPr>
+          <p:nvPr/>
+        </p:nvPicPr>
+        <p:blipFill>
+          <a:blip r:embed="rId3">
+            <a:extLst>
+              <a:ext uri="{28A0092B-C50C-407E-A947-70E740481C1C}">
+                <a14:useLocalDpi xmlns:a14="http://schemas.microsoft.com/office/drawing/2010/main" val="0"/>
+              </a:ext>
+              <a:ext uri="{96DAC541-7B7A-43D3-8B79-37D633B846F1}">
+                <asvg:svgBlip xmlns:asvg="http://schemas.microsoft.com/office/drawing/2016/SVG/main" r:embed="rId4"/>
+              </a:ext>
+            </a:extLst>
+          </a:blip>
+          <a:stretch>
+            <a:fillRect/>
+          </a:stretch>
+        </p:blipFill>
+        <p:spPr>
+          <a:xfrm>
+            <a:off x="1310317" y="2402419"/>
+            <a:ext cx="1311061" cy="1311061"/>
+          </a:xfrm>
+          <a:prstGeom prst="rect">
+            <a:avLst/>
+          </a:prstGeom>
+        </p:spPr>
+      </p:pic>
+    </p:spTree>
+    <p:extLst>
+      <p:ext uri="{BB962C8B-B14F-4D97-AF65-F5344CB8AC3E}">
+        <p14:creationId xmlns:p14="http://schemas.microsoft.com/office/powerpoint/2010/main" val="427066861"/>
+      </p:ext>
+    </p:extLst>
+  </p:cSld>
+  <p:clrMapOvr>
+    <a:masterClrMapping/>
+  </p:clrMapOvr>
+  <mc:AlternateContent xmlns:mc="http://schemas.openxmlformats.org/markup-compatibility/2006" xmlns:p14="http://schemas.microsoft.com/office/powerpoint/2010/main">
+    <mc:Choice Requires="p14">
+      <p:transition spd="slow" p14:dur="1500" advTm="3000">
+        <p:random/>
+      </p:transition>
+    </mc:Choice>
+    <mc:Fallback xmlns="">
+      <p:transition spd="slow" advTm="3000">
+        <p:random/>
+      </p:transition>
+    </mc:Fallback>
+  </mc:AlternateContent>
+  <p:timing>
+    <p:tnLst>
+      <p:par>
+        <p:cTn id="1" dur="indefinite" restart="never" nodeType="tmRoot">
+          <p:childTnLst>
+            <p:seq concurrent="1" nextAc="seek">
+              <p:cTn id="2" dur="indefinite" nodeType="mainSeq">
+                <p:childTnLst>
+                  <p:par>
+                    <p:cTn id="3" fill="hold">
+                      <p:stCondLst>
+                        <p:cond delay="indefinite"/>
+                        <p:cond evt="onBegin" delay="0">
+                          <p:tn val="2"/>
+                        </p:cond>
+                      </p:stCondLst>
+                      <p:childTnLst>
+                        <p:par>
+                          <p:cTn id="4" fill="hold">
+                            <p:stCondLst>
+                              <p:cond delay="0"/>
+                            </p:stCondLst>
+                            <p:childTnLst>
+                              <p:par>
+                                <p:cTn id="5" presetID="9" presetClass="entr" presetSubtype="0" fill="hold" grpId="0" nodeType="afterEffect">
+                                  <p:stCondLst>
+                                    <p:cond delay="0"/>
+                                  </p:stCondLst>
+                                  <p:childTnLst>
+                                    <p:set>
+                                      <p:cBhvr>
+                                        <p:cTn id="6" dur="1" fill="hold">
+                                          <p:stCondLst>
+                                            <p:cond delay="0"/>
+                                          </p:stCondLst>
+                                        </p:cTn>
+                                        <p:tgtEl>
+                                          <p:spTgt spid="42"/>
+                                        </p:tgtEl>
+                                        <p:attrNameLst>
+                                          <p:attrName>style.visibility</p:attrName>
+                                        </p:attrNameLst>
+                                      </p:cBhvr>
+                                      <p:to>
+                                        <p:strVal val="visible"/>
+                                      </p:to>
+                                    </p:set>
+                                    <p:animEffect transition="in" filter="dissolve">
+                                      <p:cBhvr>
+                                        <p:cTn id="7" dur="500"/>
+                                        <p:tgtEl>
+                                          <p:spTgt spid="42"/>
+                                        </p:tgtEl>
+                                      </p:cBhvr>
+                                    </p:animEffect>
+                                  </p:childTnLst>
+                                </p:cTn>
+                              </p:par>
+                            </p:childTnLst>
+                          </p:cTn>
+                        </p:par>
+                        <p:par>
+                          <p:cTn id="8" fill="hold">
+                            <p:stCondLst>
+                              <p:cond delay="500"/>
+                            </p:stCondLst>
+                            <p:childTnLst>
+                              <p:par>
+                                <p:cTn id="9" presetID="2" presetClass="entr" presetSubtype="8" fill="hold" nodeType="afterEffect">
+                                  <p:stCondLst>
+                                    <p:cond delay="0"/>
+                                  </p:stCondLst>
+                                  <p:childTnLst>
+                                    <p:set>
+                                      <p:cBhvr>
+                                        <p:cTn id="10" dur="1" fill="hold">
+                                          <p:stCondLst>
+                                            <p:cond delay="0"/>
+                                          </p:stCondLst>
+                                        </p:cTn>
+                                        <p:tgtEl>
+                                          <p:spTgt spid="7"/>
+                                        </p:tgtEl>
+                                        <p:attrNameLst>
+                                          <p:attrName>style.visibility</p:attrName>
+                                        </p:attrNameLst>
+                                      </p:cBhvr>
+                                      <p:to>
+                                        <p:strVal val="visible"/>
+                                      </p:to>
+                                    </p:set>
+                                    <p:anim calcmode="lin" valueType="num">
+                                      <p:cBhvr additive="base">
+                                        <p:cTn id="11" dur="500" fill="hold"/>
+                                        <p:tgtEl>
+                                          <p:spTgt spid="7"/>
+                                        </p:tgtEl>
+                                        <p:attrNameLst>
+                                          <p:attrName>ppt_x</p:attrName>
+                                        </p:attrNameLst>
+                                      </p:cBhvr>
+                                      <p:tavLst>
+                                        <p:tav tm="0">
+                                          <p:val>
+                                            <p:strVal val="0-#ppt_w/2"/>
+                                          </p:val>
+                                        </p:tav>
+                                        <p:tav tm="100000">
+                                          <p:val>
+                                            <p:strVal val="#ppt_x"/>
+                                          </p:val>
+                                        </p:tav>
+                                      </p:tavLst>
+                                    </p:anim>
+                                    <p:anim calcmode="lin" valueType="num">
+                                      <p:cBhvr additive="base">
+                                        <p:cTn id="12" dur="500" fill="hold"/>
+                                        <p:tgtEl>
+                                          <p:spTgt spid="7"/>
+                                        </p:tgtEl>
+                                        <p:attrNameLst>
+                                          <p:attrName>ppt_y</p:attrName>
+                                        </p:attrNameLst>
+                                      </p:cBhvr>
+                                      <p:tavLst>
+                                        <p:tav tm="0">
+                                          <p:val>
+                                            <p:strVal val="#ppt_y"/>
+                                          </p:val>
+                                        </p:tav>
+                                        <p:tav tm="100000">
+                                          <p:val>
+                                            <p:strVal val="#ppt_y"/>
+                                          </p:val>
+                                        </p:tav>
+                                      </p:tavLst>
+                                    </p:anim>
+                                  </p:childTnLst>
+                                </p:cTn>
+                              </p:par>
+                            </p:childTnLst>
+                          </p:cTn>
+                        </p:par>
+                      </p:childTnLst>
+                    </p:cTn>
+                  </p:par>
+                </p:childTnLst>
+              </p:cTn>
+              <p:prevCondLst>
+                <p:cond evt="onPrev" delay="0">
+                  <p:tgtEl>
+                    <p:sldTgt/>
+                  </p:tgtEl>
+                </p:cond>
+              </p:prevCondLst>
+              <p:nextCondLst>
+                <p:cond evt="onNext" delay="0">
+                  <p:tgtEl>
+                    <p:sldTgt/>
+                  </p:tgtEl>
+                </p:cond>
+              </p:nextCondLst>
+            </p:seq>
+          </p:childTnLst>
+        </p:cTn>
+      </p:par>
+    </p:tnLst>
+    <p:bldLst>
+      <p:bldP spid="42" grpId="0"/>
+    </p:bldLst>
+  </p:timing>
+</p:sld>
+</file>
+
+<file path=ppt/slides/slide12.xml><?xml version="1.0" encoding="utf-8"?>
+<p:sld xmlns:a="http://schemas.openxmlformats.org/drawingml/2006/main" xmlns:r="http://schemas.openxmlformats.org/officeDocument/2006/relationships" xmlns:p="http://schemas.openxmlformats.org/presentationml/2006/main">
+  <p:cSld>
+    <p:spTree>
+      <p:nvGrpSpPr>
+        <p:cNvPr id="1" name=""/>
+        <p:cNvGrpSpPr/>
+        <p:nvPr/>
+      </p:nvGrpSpPr>
+      <p:grpSpPr>
+        <a:xfrm>
+          <a:off x="0" y="0"/>
+          <a:ext cx="0" cy="0"/>
+          <a:chOff x="0" y="0"/>
+          <a:chExt cx="0" cy="0"/>
+        </a:xfrm>
+      </p:grpSpPr>
+      <p:pic>
+        <p:nvPicPr>
+          <p:cNvPr id="3" name="图片 2">
+            <a:extLst>
+              <a:ext uri="{FF2B5EF4-FFF2-40B4-BE49-F238E27FC236}">
+                <a16:creationId xmlns:a16="http://schemas.microsoft.com/office/drawing/2014/main" id="{F6AC5984-8901-BEF8-8AB3-70C97EA0F74D}"/>
+              </a:ext>
+            </a:extLst>
+          </p:cNvPr>
+          <p:cNvPicPr>
+            <a:picLocks noChangeAspect="1"/>
+          </p:cNvPicPr>
+          <p:nvPr/>
+        </p:nvPicPr>
+        <p:blipFill>
+          <a:blip r:embed="rId2"/>
+          <a:stretch>
+            <a:fillRect/>
+          </a:stretch>
+        </p:blipFill>
+        <p:spPr>
+          <a:xfrm>
+            <a:off x="2681856" y="688157"/>
+            <a:ext cx="3700089" cy="5537253"/>
+          </a:xfrm>
+          <a:prstGeom prst="rect">
+            <a:avLst/>
+          </a:prstGeom>
+        </p:spPr>
+      </p:pic>
+      <p:pic>
+        <p:nvPicPr>
+          <p:cNvPr id="5" name="图片 4">
+            <a:extLst>
+              <a:ext uri="{FF2B5EF4-FFF2-40B4-BE49-F238E27FC236}">
+                <a16:creationId xmlns:a16="http://schemas.microsoft.com/office/drawing/2014/main" id="{E91A98C3-F556-F232-E5BF-4E33D4B93268}"/>
+              </a:ext>
+            </a:extLst>
+          </p:cNvPr>
+          <p:cNvPicPr>
+            <a:picLocks noChangeAspect="1"/>
+          </p:cNvPicPr>
+          <p:nvPr/>
+        </p:nvPicPr>
+        <p:blipFill>
+          <a:blip r:embed="rId3"/>
+          <a:stretch>
+            <a:fillRect/>
+          </a:stretch>
+        </p:blipFill>
+        <p:spPr>
+          <a:xfrm>
+            <a:off x="6616597" y="1762812"/>
+            <a:ext cx="2529418" cy="2809187"/>
+          </a:xfrm>
+          <a:prstGeom prst="rect">
+            <a:avLst/>
+          </a:prstGeom>
+        </p:spPr>
+      </p:pic>
+    </p:spTree>
+    <p:extLst>
+      <p:ext uri="{BB962C8B-B14F-4D97-AF65-F5344CB8AC3E}">
+        <p14:creationId xmlns:p14="http://schemas.microsoft.com/office/powerpoint/2010/main" val="3307750260"/>
+      </p:ext>
+    </p:extLst>
+  </p:cSld>
+  <p:clrMapOvr>
+    <a:masterClrMapping/>
+  </p:clrMapOvr>
+  <mc:AlternateContent xmlns:mc="http://schemas.openxmlformats.org/markup-compatibility/2006" xmlns:p14="http://schemas.microsoft.com/office/powerpoint/2010/main">
+    <mc:Choice Requires="p14">
+      <p:transition spd="slow" p14:dur="1500" advTm="3000">
+        <p:random/>
+      </p:transition>
+    </mc:Choice>
+    <mc:Fallback xmlns="">
+      <p:transition spd="slow" advTm="3000">
+        <p:random/>
+      </p:transition>
+    </mc:Fallback>
+  </mc:AlternateContent>
+</p:sld>
+</file>
+
+<file path=ppt/slides/slide13.xml><?xml version="1.0" encoding="utf-8"?>
+<p:sld xmlns:a="http://schemas.openxmlformats.org/drawingml/2006/main" xmlns:r="http://schemas.openxmlformats.org/officeDocument/2006/relationships" xmlns:p="http://schemas.openxmlformats.org/presentationml/2006/main">
+  <p:cSld>
+    <p:spTree>
+      <p:nvGrpSpPr>
+        <p:cNvPr id="1" name=""/>
+        <p:cNvGrpSpPr/>
+        <p:nvPr/>
+      </p:nvGrpSpPr>
+      <p:grpSpPr>
+        <a:xfrm>
+          <a:off x="0" y="0"/>
+          <a:ext cx="0" cy="0"/>
+          <a:chOff x="0" y="0"/>
+          <a:chExt cx="0" cy="0"/>
+        </a:xfrm>
+      </p:grpSpPr>
+      <p:sp>
+        <p:nvSpPr>
+          <p:cNvPr id="42" name="矩形 41">
+            <a:extLst>
+              <a:ext uri="{FF2B5EF4-FFF2-40B4-BE49-F238E27FC236}">
+                <a16:creationId xmlns:a16="http://schemas.microsoft.com/office/drawing/2014/main" id="{704141B5-1126-40ED-B9A4-7CACFC74C7C8}"/>
+              </a:ext>
+            </a:extLst>
+          </p:cNvPr>
+          <p:cNvSpPr/>
+          <p:nvPr/>
+        </p:nvSpPr>
+        <p:spPr>
+          <a:xfrm>
+            <a:off x="3274541" y="2890468"/>
+            <a:ext cx="8192529" cy="769441"/>
+          </a:xfrm>
+          <a:prstGeom prst="rect">
+            <a:avLst/>
+          </a:prstGeom>
+        </p:spPr>
+        <p:txBody>
+          <a:bodyPr wrap="square">
+            <a:spAutoFit/>
+          </a:bodyPr>
+          <a:lstStyle/>
+          <a:p>
+            <a:pPr lvl="0" algn="ctr">
+              <a:defRPr/>
+            </a:pPr>
+            <a:r>
+              <a:rPr lang="zh-CN" altLang="en-US" sz="4400" b="1" kern="100" dirty="0">
+                <a:solidFill>
+                  <a:srgbClr val="49889B"/>
+                </a:solidFill>
+                <a:latin typeface="微软雅黑" panose="020B0503020204020204" pitchFamily="34" charset="-122"/>
+                <a:ea typeface="微软雅黑" panose="020B0503020204020204" pitchFamily="34" charset="-122"/>
+                <a:cs typeface="Times New Roman" panose="02020603050405020304" pitchFamily="18" charset="0"/>
+              </a:rPr>
+              <a:t>三、用户角度</a:t>
+            </a:r>
+          </a:p>
+        </p:txBody>
+      </p:sp>
+      <p:sp>
+        <p:nvSpPr>
+          <p:cNvPr id="8" name="Freeform 8">
+            <a:extLst>
+              <a:ext uri="{FF2B5EF4-FFF2-40B4-BE49-F238E27FC236}">
+                <a16:creationId xmlns:a16="http://schemas.microsoft.com/office/drawing/2014/main" id="{32D3C25A-773F-4A62-BDFB-84D09C99378C}"/>
+              </a:ext>
+            </a:extLst>
+          </p:cNvPr>
+          <p:cNvSpPr>
+            <a:spLocks noEditPoints="1"/>
+          </p:cNvSpPr>
+          <p:nvPr/>
+        </p:nvSpPr>
+        <p:spPr bwMode="auto">
+          <a:xfrm rot="2925393">
+            <a:off x="1703187" y="2913549"/>
+            <a:ext cx="433148" cy="742830"/>
+          </a:xfrm>
+          <a:custGeom>
+            <a:avLst/>
+            <a:gdLst>
+              <a:gd name="T0" fmla="*/ 24 w 112"/>
+              <a:gd name="T1" fmla="*/ 148 h 192"/>
+              <a:gd name="T2" fmla="*/ 28 w 112"/>
+              <a:gd name="T3" fmla="*/ 52 h 192"/>
+              <a:gd name="T4" fmla="*/ 32 w 112"/>
+              <a:gd name="T5" fmla="*/ 172 h 192"/>
+              <a:gd name="T6" fmla="*/ 8 w 112"/>
+              <a:gd name="T7" fmla="*/ 184 h 192"/>
+              <a:gd name="T8" fmla="*/ 32 w 112"/>
+              <a:gd name="T9" fmla="*/ 172 h 192"/>
+              <a:gd name="T10" fmla="*/ 8 w 112"/>
+              <a:gd name="T11" fmla="*/ 35 h 192"/>
+              <a:gd name="T12" fmla="*/ 32 w 112"/>
+              <a:gd name="T13" fmla="*/ 164 h 192"/>
+              <a:gd name="T14" fmla="*/ 32 w 112"/>
+              <a:gd name="T15" fmla="*/ 192 h 192"/>
+              <a:gd name="T16" fmla="*/ 0 w 112"/>
+              <a:gd name="T17" fmla="*/ 184 h 192"/>
+              <a:gd name="T18" fmla="*/ 0 w 112"/>
+              <a:gd name="T19" fmla="*/ 32 h 192"/>
+              <a:gd name="T20" fmla="*/ 20 w 112"/>
+              <a:gd name="T21" fmla="*/ 0 h 192"/>
+              <a:gd name="T22" fmla="*/ 39 w 112"/>
+              <a:gd name="T23" fmla="*/ 32 h 192"/>
+              <a:gd name="T24" fmla="*/ 40 w 112"/>
+              <a:gd name="T25" fmla="*/ 184 h 192"/>
+              <a:gd name="T26" fmla="*/ 108 w 112"/>
+              <a:gd name="T27" fmla="*/ 164 h 192"/>
+              <a:gd name="T28" fmla="*/ 84 w 112"/>
+              <a:gd name="T29" fmla="*/ 172 h 192"/>
+              <a:gd name="T30" fmla="*/ 108 w 112"/>
+              <a:gd name="T31" fmla="*/ 164 h 192"/>
+              <a:gd name="T32" fmla="*/ 92 w 112"/>
+              <a:gd name="T33" fmla="*/ 140 h 192"/>
+              <a:gd name="T34" fmla="*/ 108 w 112"/>
+              <a:gd name="T35" fmla="*/ 148 h 192"/>
+              <a:gd name="T36" fmla="*/ 108 w 112"/>
+              <a:gd name="T37" fmla="*/ 116 h 192"/>
+              <a:gd name="T38" fmla="*/ 84 w 112"/>
+              <a:gd name="T39" fmla="*/ 124 h 192"/>
+              <a:gd name="T40" fmla="*/ 108 w 112"/>
+              <a:gd name="T41" fmla="*/ 116 h 192"/>
+              <a:gd name="T42" fmla="*/ 92 w 112"/>
+              <a:gd name="T43" fmla="*/ 92 h 192"/>
+              <a:gd name="T44" fmla="*/ 108 w 112"/>
+              <a:gd name="T45" fmla="*/ 100 h 192"/>
+              <a:gd name="T46" fmla="*/ 108 w 112"/>
+              <a:gd name="T47" fmla="*/ 68 h 192"/>
+              <a:gd name="T48" fmla="*/ 84 w 112"/>
+              <a:gd name="T49" fmla="*/ 76 h 192"/>
+              <a:gd name="T50" fmla="*/ 108 w 112"/>
+              <a:gd name="T51" fmla="*/ 68 h 192"/>
+              <a:gd name="T52" fmla="*/ 92 w 112"/>
+              <a:gd name="T53" fmla="*/ 44 h 192"/>
+              <a:gd name="T54" fmla="*/ 108 w 112"/>
+              <a:gd name="T55" fmla="*/ 52 h 192"/>
+              <a:gd name="T56" fmla="*/ 108 w 112"/>
+              <a:gd name="T57" fmla="*/ 20 h 192"/>
+              <a:gd name="T58" fmla="*/ 84 w 112"/>
+              <a:gd name="T59" fmla="*/ 28 h 192"/>
+              <a:gd name="T60" fmla="*/ 108 w 112"/>
+              <a:gd name="T61" fmla="*/ 20 h 192"/>
+              <a:gd name="T62" fmla="*/ 64 w 112"/>
+              <a:gd name="T63" fmla="*/ 192 h 192"/>
+              <a:gd name="T64" fmla="*/ 56 w 112"/>
+              <a:gd name="T65" fmla="*/ 8 h 192"/>
+              <a:gd name="T66" fmla="*/ 104 w 112"/>
+              <a:gd name="T67" fmla="*/ 0 h 192"/>
+              <a:gd name="T68" fmla="*/ 112 w 112"/>
+              <a:gd name="T69" fmla="*/ 184 h 192"/>
+            </a:gdLst>
+            <a:ahLst/>
+            <a:cxnLst>
+              <a:cxn ang="0">
+                <a:pos x="T0" y="T1"/>
+              </a:cxn>
+              <a:cxn ang="0">
+                <a:pos x="T2" y="T3"/>
+              </a:cxn>
+              <a:cxn ang="0">
+                <a:pos x="T4" y="T5"/>
+              </a:cxn>
+              <a:cxn ang="0">
+                <a:pos x="T6" y="T7"/>
+              </a:cxn>
+              <a:cxn ang="0">
+                <a:pos x="T8" y="T9"/>
+              </a:cxn>
+              <a:cxn ang="0">
+                <a:pos x="T10" y="T11"/>
+              </a:cxn>
+              <a:cxn ang="0">
+                <a:pos x="T12" y="T13"/>
+              </a:cxn>
+              <a:cxn ang="0">
+                <a:pos x="T14" y="T15"/>
+              </a:cxn>
+              <a:cxn ang="0">
+                <a:pos x="T16" y="T17"/>
+              </a:cxn>
+              <a:cxn ang="0">
+                <a:pos x="T18" y="T19"/>
+              </a:cxn>
+              <a:cxn ang="0">
+                <a:pos x="T20" y="T21"/>
+              </a:cxn>
+              <a:cxn ang="0">
+                <a:pos x="T22" y="T23"/>
+              </a:cxn>
+              <a:cxn ang="0">
+                <a:pos x="T24" y="T25"/>
+              </a:cxn>
+              <a:cxn ang="0">
+                <a:pos x="T26" y="T27"/>
+              </a:cxn>
+              <a:cxn ang="0">
+                <a:pos x="T28" y="T29"/>
+              </a:cxn>
+              <a:cxn ang="0">
+                <a:pos x="T30" y="T31"/>
+              </a:cxn>
+              <a:cxn ang="0">
+                <a:pos x="T32" y="T33"/>
+              </a:cxn>
+              <a:cxn ang="0">
+                <a:pos x="T34" y="T35"/>
+              </a:cxn>
+              <a:cxn ang="0">
+                <a:pos x="T36" y="T37"/>
+              </a:cxn>
+              <a:cxn ang="0">
+                <a:pos x="T38" y="T39"/>
+              </a:cxn>
+              <a:cxn ang="0">
+                <a:pos x="T40" y="T41"/>
+              </a:cxn>
+              <a:cxn ang="0">
+                <a:pos x="T42" y="T43"/>
+              </a:cxn>
+              <a:cxn ang="0">
+                <a:pos x="T44" y="T45"/>
+              </a:cxn>
+              <a:cxn ang="0">
+                <a:pos x="T46" y="T47"/>
+              </a:cxn>
+              <a:cxn ang="0">
+                <a:pos x="T48" y="T49"/>
+              </a:cxn>
+              <a:cxn ang="0">
+                <a:pos x="T50" y="T51"/>
+              </a:cxn>
+              <a:cxn ang="0">
+                <a:pos x="T52" y="T53"/>
+              </a:cxn>
+              <a:cxn ang="0">
+                <a:pos x="T54" y="T55"/>
+              </a:cxn>
+              <a:cxn ang="0">
+                <a:pos x="T56" y="T57"/>
+              </a:cxn>
+              <a:cxn ang="0">
+                <a:pos x="T58" y="T59"/>
+              </a:cxn>
+              <a:cxn ang="0">
+                <a:pos x="T60" y="T61"/>
+              </a:cxn>
+              <a:cxn ang="0">
+                <a:pos x="T62" y="T63"/>
+              </a:cxn>
+              <a:cxn ang="0">
+                <a:pos x="T64" y="T65"/>
+              </a:cxn>
+              <a:cxn ang="0">
+                <a:pos x="T66" y="T67"/>
+              </a:cxn>
+              <a:cxn ang="0">
+                <a:pos x="T68" y="T69"/>
+              </a:cxn>
+            </a:cxnLst>
+            <a:rect l="0" t="0" r="r" b="b"/>
+            <a:pathLst>
+              <a:path w="112" h="192">
+                <a:moveTo>
+                  <a:pt x="28" y="148"/>
+                </a:moveTo>
+                <a:cubicBezTo>
+                  <a:pt x="24" y="148"/>
+                  <a:pt x="24" y="148"/>
+                  <a:pt x="24" y="148"/>
+                </a:cubicBezTo>
+                <a:cubicBezTo>
+                  <a:pt x="24" y="52"/>
+                  <a:pt x="24" y="52"/>
+                  <a:pt x="24" y="52"/>
+                </a:cubicBezTo>
+                <a:cubicBezTo>
+                  <a:pt x="28" y="52"/>
+                  <a:pt x="28" y="52"/>
+                  <a:pt x="28" y="52"/>
+                </a:cubicBezTo>
+                <a:lnTo>
+                  <a:pt x="28" y="148"/>
+                </a:lnTo>
+                <a:close/>
+                <a:moveTo>
+                  <a:pt x="32" y="172"/>
+                </a:moveTo>
+                <a:cubicBezTo>
+                  <a:pt x="8" y="172"/>
+                  <a:pt x="8" y="172"/>
+                  <a:pt x="8" y="172"/>
+                </a:cubicBezTo>
+                <a:cubicBezTo>
+                  <a:pt x="8" y="184"/>
+                  <a:pt x="8" y="184"/>
+                  <a:pt x="8" y="184"/>
+                </a:cubicBezTo>
+                <a:cubicBezTo>
+                  <a:pt x="32" y="184"/>
+                  <a:pt x="32" y="184"/>
+                  <a:pt x="32" y="184"/>
+                </a:cubicBezTo>
+                <a:lnTo>
+                  <a:pt x="32" y="172"/>
+                </a:lnTo>
+                <a:close/>
+                <a:moveTo>
+                  <a:pt x="32" y="35"/>
+                </a:moveTo>
+                <a:cubicBezTo>
+                  <a:pt x="8" y="35"/>
+                  <a:pt x="8" y="35"/>
+                  <a:pt x="8" y="35"/>
+                </a:cubicBezTo>
+                <a:cubicBezTo>
+                  <a:pt x="8" y="164"/>
+                  <a:pt x="8" y="164"/>
+                  <a:pt x="8" y="164"/>
+                </a:cubicBezTo>
+                <a:cubicBezTo>
+                  <a:pt x="32" y="164"/>
+                  <a:pt x="32" y="164"/>
+                  <a:pt x="32" y="164"/>
+                </a:cubicBezTo>
+                <a:lnTo>
+                  <a:pt x="32" y="35"/>
+                </a:lnTo>
+                <a:close/>
+                <a:moveTo>
+                  <a:pt x="32" y="192"/>
+                </a:moveTo>
+                <a:cubicBezTo>
+                  <a:pt x="8" y="192"/>
+                  <a:pt x="8" y="192"/>
+                  <a:pt x="8" y="192"/>
+                </a:cubicBezTo>
+                <a:cubicBezTo>
+                  <a:pt x="3" y="192"/>
+                  <a:pt x="0" y="188"/>
+                  <a:pt x="0" y="184"/>
+                </a:cubicBezTo>
+                <a:cubicBezTo>
+                  <a:pt x="0" y="35"/>
+                  <a:pt x="0" y="35"/>
+                  <a:pt x="0" y="35"/>
+                </a:cubicBezTo>
+                <a:cubicBezTo>
+                  <a:pt x="0" y="34"/>
+                  <a:pt x="0" y="33"/>
+                  <a:pt x="0" y="32"/>
+                </a:cubicBezTo>
+                <a:cubicBezTo>
+                  <a:pt x="12" y="4"/>
+                  <a:pt x="12" y="4"/>
+                  <a:pt x="12" y="4"/>
+                </a:cubicBezTo>
+                <a:cubicBezTo>
+                  <a:pt x="14" y="2"/>
+                  <a:pt x="16" y="0"/>
+                  <a:pt x="20" y="0"/>
+                </a:cubicBezTo>
+                <a:cubicBezTo>
+                  <a:pt x="23" y="0"/>
+                  <a:pt x="26" y="2"/>
+                  <a:pt x="27" y="4"/>
+                </a:cubicBezTo>
+                <a:cubicBezTo>
+                  <a:pt x="39" y="32"/>
+                  <a:pt x="39" y="32"/>
+                  <a:pt x="39" y="32"/>
+                </a:cubicBezTo>
+                <a:cubicBezTo>
+                  <a:pt x="39" y="33"/>
+                  <a:pt x="40" y="34"/>
+                  <a:pt x="40" y="35"/>
+                </a:cubicBezTo>
+                <a:cubicBezTo>
+                  <a:pt x="40" y="184"/>
+                  <a:pt x="40" y="184"/>
+                  <a:pt x="40" y="184"/>
+                </a:cubicBezTo>
+                <a:cubicBezTo>
+                  <a:pt x="40" y="188"/>
+                  <a:pt x="36" y="192"/>
+                  <a:pt x="32" y="192"/>
+                </a:cubicBezTo>
+                <a:close/>
+                <a:moveTo>
+                  <a:pt x="108" y="164"/>
+                </a:moveTo>
+                <a:cubicBezTo>
+                  <a:pt x="84" y="164"/>
+                  <a:pt x="84" y="164"/>
+                  <a:pt x="84" y="164"/>
+                </a:cubicBezTo>
+                <a:cubicBezTo>
+                  <a:pt x="84" y="172"/>
+                  <a:pt x="84" y="172"/>
+                  <a:pt x="84" y="172"/>
+                </a:cubicBezTo>
+                <a:cubicBezTo>
+                  <a:pt x="108" y="172"/>
+                  <a:pt x="108" y="172"/>
+                  <a:pt x="108" y="172"/>
+                </a:cubicBezTo>
+                <a:lnTo>
+                  <a:pt x="108" y="164"/>
+                </a:lnTo>
+                <a:close/>
+                <a:moveTo>
+                  <a:pt x="108" y="140"/>
+                </a:moveTo>
+                <a:cubicBezTo>
+                  <a:pt x="92" y="140"/>
+                  <a:pt x="92" y="140"/>
+                  <a:pt x="92" y="140"/>
+                </a:cubicBezTo>
+                <a:cubicBezTo>
+                  <a:pt x="92" y="148"/>
+                  <a:pt x="92" y="148"/>
+                  <a:pt x="92" y="148"/>
+                </a:cubicBezTo>
+                <a:cubicBezTo>
+                  <a:pt x="108" y="148"/>
+                  <a:pt x="108" y="148"/>
+                  <a:pt x="108" y="148"/>
+                </a:cubicBezTo>
+                <a:lnTo>
+                  <a:pt x="108" y="140"/>
+                </a:lnTo>
+                <a:close/>
+                <a:moveTo>
+                  <a:pt x="108" y="116"/>
+                </a:moveTo>
+                <a:cubicBezTo>
+                  <a:pt x="84" y="116"/>
+                  <a:pt x="84" y="116"/>
+                  <a:pt x="84" y="116"/>
+                </a:cubicBezTo>
+                <a:cubicBezTo>
+                  <a:pt x="84" y="124"/>
+                  <a:pt x="84" y="124"/>
+                  <a:pt x="84" y="124"/>
+                </a:cubicBezTo>
+                <a:cubicBezTo>
+                  <a:pt x="108" y="124"/>
+                  <a:pt x="108" y="124"/>
+                  <a:pt x="108" y="124"/>
+                </a:cubicBezTo>
+                <a:lnTo>
+                  <a:pt x="108" y="116"/>
+                </a:lnTo>
+                <a:close/>
+                <a:moveTo>
+                  <a:pt x="108" y="92"/>
+                </a:moveTo>
+                <a:cubicBezTo>
+                  <a:pt x="92" y="92"/>
+                  <a:pt x="92" y="92"/>
+                  <a:pt x="92" y="92"/>
+                </a:cubicBezTo>
+                <a:cubicBezTo>
+                  <a:pt x="92" y="100"/>
+                  <a:pt x="92" y="100"/>
+                  <a:pt x="92" y="100"/>
+                </a:cubicBezTo>
+                <a:cubicBezTo>
+                  <a:pt x="108" y="100"/>
+                  <a:pt x="108" y="100"/>
+                  <a:pt x="108" y="100"/>
+                </a:cubicBezTo>
+                <a:lnTo>
+                  <a:pt x="108" y="92"/>
+                </a:lnTo>
+                <a:close/>
+                <a:moveTo>
+                  <a:pt x="108" y="68"/>
+                </a:moveTo>
+                <a:cubicBezTo>
+                  <a:pt x="84" y="68"/>
+                  <a:pt x="84" y="68"/>
+                  <a:pt x="84" y="68"/>
+                </a:cubicBezTo>
+                <a:cubicBezTo>
+                  <a:pt x="84" y="76"/>
+                  <a:pt x="84" y="76"/>
+                  <a:pt x="84" y="76"/>
+                </a:cubicBezTo>
+                <a:cubicBezTo>
+                  <a:pt x="108" y="76"/>
+                  <a:pt x="108" y="76"/>
+                  <a:pt x="108" y="76"/>
+                </a:cubicBezTo>
+                <a:lnTo>
+                  <a:pt x="108" y="68"/>
+                </a:lnTo>
+                <a:close/>
+                <a:moveTo>
+                  <a:pt x="108" y="44"/>
+                </a:moveTo>
+                <a:cubicBezTo>
+                  <a:pt x="92" y="44"/>
+                  <a:pt x="92" y="44"/>
+                  <a:pt x="92" y="44"/>
+                </a:cubicBezTo>
+                <a:cubicBezTo>
+                  <a:pt x="92" y="52"/>
+                  <a:pt x="92" y="52"/>
+                  <a:pt x="92" y="52"/>
+                </a:cubicBezTo>
+                <a:cubicBezTo>
+                  <a:pt x="108" y="52"/>
+                  <a:pt x="108" y="52"/>
+                  <a:pt x="108" y="52"/>
+                </a:cubicBezTo>
+                <a:lnTo>
+                  <a:pt x="108" y="44"/>
+                </a:lnTo>
+                <a:close/>
+                <a:moveTo>
+                  <a:pt x="108" y="20"/>
+                </a:moveTo>
+                <a:cubicBezTo>
+                  <a:pt x="84" y="20"/>
+                  <a:pt x="84" y="20"/>
+                  <a:pt x="84" y="20"/>
+                </a:cubicBezTo>
+                <a:cubicBezTo>
+                  <a:pt x="84" y="28"/>
+                  <a:pt x="84" y="28"/>
+                  <a:pt x="84" y="28"/>
+                </a:cubicBezTo>
+                <a:cubicBezTo>
+                  <a:pt x="108" y="28"/>
+                  <a:pt x="108" y="28"/>
+                  <a:pt x="108" y="28"/>
+                </a:cubicBezTo>
+                <a:lnTo>
+                  <a:pt x="108" y="20"/>
+                </a:lnTo>
+                <a:close/>
+                <a:moveTo>
+                  <a:pt x="104" y="192"/>
+                </a:moveTo>
+                <a:cubicBezTo>
+                  <a:pt x="64" y="192"/>
+                  <a:pt x="64" y="192"/>
+                  <a:pt x="64" y="192"/>
+                </a:cubicBezTo>
+                <a:cubicBezTo>
+                  <a:pt x="59" y="192"/>
+                  <a:pt x="56" y="188"/>
+                  <a:pt x="56" y="184"/>
+                </a:cubicBezTo>
+                <a:cubicBezTo>
+                  <a:pt x="56" y="8"/>
+                  <a:pt x="56" y="8"/>
+                  <a:pt x="56" y="8"/>
+                </a:cubicBezTo>
+                <a:cubicBezTo>
+                  <a:pt x="56" y="3"/>
+                  <a:pt x="59" y="0"/>
+                  <a:pt x="64" y="0"/>
+                </a:cubicBezTo>
+                <a:cubicBezTo>
+                  <a:pt x="104" y="0"/>
+                  <a:pt x="104" y="0"/>
+                  <a:pt x="104" y="0"/>
+                </a:cubicBezTo>
+                <a:cubicBezTo>
+                  <a:pt x="108" y="0"/>
+                  <a:pt x="112" y="3"/>
+                  <a:pt x="112" y="8"/>
+                </a:cubicBezTo>
+                <a:cubicBezTo>
+                  <a:pt x="112" y="184"/>
+                  <a:pt x="112" y="184"/>
+                  <a:pt x="112" y="184"/>
+                </a:cubicBezTo>
+                <a:cubicBezTo>
+                  <a:pt x="112" y="188"/>
+                  <a:pt x="108" y="192"/>
+                  <a:pt x="104" y="192"/>
+                </a:cubicBezTo>
+                <a:close/>
+              </a:path>
+            </a:pathLst>
+          </a:custGeom>
+          <a:solidFill>
+            <a:schemeClr val="bg1"/>
+          </a:solidFill>
+          <a:ln>
+            <a:noFill/>
+          </a:ln>
+        </p:spPr>
+        <p:txBody>
+          <a:bodyPr vert="horz" wrap="square" lIns="91440" tIns="45720" rIns="91440" bIns="45720" numCol="1" anchor="t" anchorCtr="0" compatLnSpc="1">
+            <a:prstTxWarp prst="textNoShape">
+              <a:avLst/>
+            </a:prstTxWarp>
+          </a:bodyPr>
+          <a:lstStyle/>
+          <a:p>
+            <a:pPr marL="0" marR="0" lvl="0" indent="0" algn="l" defTabSz="914400" rtl="0" eaLnBrk="1" fontAlgn="auto" latinLnBrk="0" hangingPunct="1">
+              <a:lnSpc>
+                <a:spcPct val="100000"/>
+              </a:lnSpc>
+              <a:spcBef>
+                <a:spcPts val="0"/>
+              </a:spcBef>
+              <a:spcAft>
+                <a:spcPts val="0"/>
+              </a:spcAft>
+              <a:buClrTx/>
+              <a:buSzTx/>
+              <a:buFontTx/>
+              <a:buNone/>
+              <a:tabLst/>
+              <a:defRPr/>
+            </a:pPr>
+            <a:endParaRPr kumimoji="0" lang="zh-CN" altLang="en-US" sz="1800" b="0" i="0" u="none" strike="noStrike" kern="1200" cap="none" spc="0" normalizeH="0" baseline="0" noProof="0">
+              <a:ln>
+                <a:noFill/>
+              </a:ln>
+              <a:solidFill>
+                <a:prstClr val="black"/>
+              </a:solidFill>
+              <a:effectLst/>
+              <a:uLnTx/>
+              <a:uFillTx/>
+              <a:latin typeface="Calibri"/>
+              <a:ea typeface="宋体" panose="02010600030101010101" pitchFamily="2" charset="-122"/>
+              <a:cs typeface="+mn-cs"/>
+            </a:endParaRPr>
+          </a:p>
+        </p:txBody>
+      </p:sp>
+      <p:grpSp>
+        <p:nvGrpSpPr>
+          <p:cNvPr id="7" name="组合 6">
+            <a:extLst>
+              <a:ext uri="{FF2B5EF4-FFF2-40B4-BE49-F238E27FC236}">
+                <a16:creationId xmlns:a16="http://schemas.microsoft.com/office/drawing/2014/main" id="{516FF050-1F2C-562C-0626-844E2D23B596}"/>
+              </a:ext>
+            </a:extLst>
+          </p:cNvPr>
+          <p:cNvGrpSpPr/>
+          <p:nvPr/>
+        </p:nvGrpSpPr>
+        <p:grpSpPr>
+          <a:xfrm>
+            <a:off x="1371507" y="2526142"/>
+            <a:ext cx="1335265" cy="1339127"/>
+            <a:chOff x="4584701" y="522287"/>
+            <a:chExt cx="2744788" cy="2752726"/>
+          </a:xfrm>
+          <a:solidFill>
+            <a:srgbClr val="202A36"/>
+          </a:solidFill>
+        </p:grpSpPr>
+        <p:sp>
+          <p:nvSpPr>
+            <p:cNvPr id="9" name="Oval 5">
+              <a:extLst>
+                <a:ext uri="{FF2B5EF4-FFF2-40B4-BE49-F238E27FC236}">
+                  <a16:creationId xmlns:a16="http://schemas.microsoft.com/office/drawing/2014/main" id="{17594778-D6CD-2689-C20B-AD14C7EF3EC0}"/>
+                </a:ext>
+              </a:extLst>
+            </p:cNvPr>
+            <p:cNvSpPr>
+              <a:spLocks noChangeArrowheads="1"/>
+            </p:cNvSpPr>
+            <p:nvPr/>
+          </p:nvSpPr>
+          <p:spPr bwMode="auto">
+            <a:xfrm>
+              <a:off x="4837113" y="774700"/>
+              <a:ext cx="2238375" cy="2246313"/>
+            </a:xfrm>
+            <a:prstGeom prst="ellipse">
+              <a:avLst/>
+            </a:prstGeom>
+            <a:solidFill>
+              <a:srgbClr val="49889B"/>
+            </a:solidFill>
+            <a:ln w="9525">
+              <a:noFill/>
+              <a:round/>
+              <a:headEnd/>
+              <a:tailEnd/>
+            </a:ln>
+          </p:spPr>
+          <p:txBody>
+            <a:bodyPr vert="horz" wrap="square" lIns="91440" tIns="45720" rIns="91440" bIns="45720" numCol="1" anchor="t" anchorCtr="0" compatLnSpc="1">
+              <a:prstTxWarp prst="textNoShape">
+                <a:avLst/>
+              </a:prstTxWarp>
+            </a:bodyPr>
+            <a:lstStyle/>
+            <a:p>
+              <a:pPr marL="0" marR="0" lvl="0" indent="0" algn="l" defTabSz="914400" rtl="0" eaLnBrk="1" fontAlgn="auto" latinLnBrk="0" hangingPunct="1">
+                <a:lnSpc>
+                  <a:spcPct val="100000"/>
+                </a:lnSpc>
+                <a:spcBef>
+                  <a:spcPts val="0"/>
+                </a:spcBef>
+                <a:spcAft>
+                  <a:spcPts val="0"/>
+                </a:spcAft>
+                <a:buClrTx/>
+                <a:buSzTx/>
+                <a:buFontTx/>
+                <a:buNone/>
+                <a:tabLst/>
+                <a:defRPr/>
+              </a:pPr>
+              <a:endParaRPr kumimoji="0" lang="zh-CN" altLang="en-US" sz="1800" b="0" i="0" u="none" strike="noStrike" kern="1200" cap="none" spc="0" normalizeH="0" baseline="0" noProof="0">
+                <a:ln>
+                  <a:noFill/>
+                </a:ln>
+                <a:solidFill>
+                  <a:prstClr val="black"/>
+                </a:solidFill>
+                <a:effectLst/>
+                <a:uLnTx/>
+                <a:uFillTx/>
+                <a:latin typeface="Calibri"/>
+                <a:ea typeface="宋体" panose="02010600030101010101" pitchFamily="2" charset="-122"/>
+                <a:cs typeface="+mn-cs"/>
+              </a:endParaRPr>
+            </a:p>
+          </p:txBody>
+        </p:sp>
+        <p:sp>
+          <p:nvSpPr>
+            <p:cNvPr id="10" name="Freeform 6">
+              <a:extLst>
+                <a:ext uri="{FF2B5EF4-FFF2-40B4-BE49-F238E27FC236}">
+                  <a16:creationId xmlns:a16="http://schemas.microsoft.com/office/drawing/2014/main" id="{E14F92BD-BCF2-F4BD-B366-E842DB655D45}"/>
+                </a:ext>
+              </a:extLst>
+            </p:cNvPr>
+            <p:cNvSpPr>
+              <a:spLocks noEditPoints="1"/>
+            </p:cNvSpPr>
+            <p:nvPr/>
+          </p:nvSpPr>
+          <p:spPr bwMode="auto">
+            <a:xfrm>
+              <a:off x="4584701" y="522287"/>
+              <a:ext cx="2744788" cy="2752726"/>
+            </a:xfrm>
+            <a:custGeom>
+              <a:avLst/>
+              <a:gdLst>
+                <a:gd name="T0" fmla="*/ 592 w 1184"/>
+                <a:gd name="T1" fmla="*/ 0 h 1184"/>
+                <a:gd name="T2" fmla="*/ 0 w 1184"/>
+                <a:gd name="T3" fmla="*/ 592 h 1184"/>
+                <a:gd name="T4" fmla="*/ 592 w 1184"/>
+                <a:gd name="T5" fmla="*/ 1184 h 1184"/>
+                <a:gd name="T6" fmla="*/ 1184 w 1184"/>
+                <a:gd name="T7" fmla="*/ 592 h 1184"/>
+                <a:gd name="T8" fmla="*/ 592 w 1184"/>
+                <a:gd name="T9" fmla="*/ 0 h 1184"/>
+                <a:gd name="T10" fmla="*/ 941 w 1184"/>
+                <a:gd name="T11" fmla="*/ 941 h 1184"/>
+                <a:gd name="T12" fmla="*/ 784 w 1184"/>
+                <a:gd name="T13" fmla="*/ 1047 h 1184"/>
+                <a:gd name="T14" fmla="*/ 592 w 1184"/>
+                <a:gd name="T15" fmla="*/ 1085 h 1184"/>
+                <a:gd name="T16" fmla="*/ 400 w 1184"/>
+                <a:gd name="T17" fmla="*/ 1047 h 1184"/>
+                <a:gd name="T18" fmla="*/ 243 w 1184"/>
+                <a:gd name="T19" fmla="*/ 941 h 1184"/>
+                <a:gd name="T20" fmla="*/ 137 w 1184"/>
+                <a:gd name="T21" fmla="*/ 784 h 1184"/>
+                <a:gd name="T22" fmla="*/ 99 w 1184"/>
+                <a:gd name="T23" fmla="*/ 592 h 1184"/>
+                <a:gd name="T24" fmla="*/ 137 w 1184"/>
+                <a:gd name="T25" fmla="*/ 400 h 1184"/>
+                <a:gd name="T26" fmla="*/ 243 w 1184"/>
+                <a:gd name="T27" fmla="*/ 243 h 1184"/>
+                <a:gd name="T28" fmla="*/ 400 w 1184"/>
+                <a:gd name="T29" fmla="*/ 137 h 1184"/>
+                <a:gd name="T30" fmla="*/ 592 w 1184"/>
+                <a:gd name="T31" fmla="*/ 99 h 1184"/>
+                <a:gd name="T32" fmla="*/ 784 w 1184"/>
+                <a:gd name="T33" fmla="*/ 137 h 1184"/>
+                <a:gd name="T34" fmla="*/ 941 w 1184"/>
+                <a:gd name="T35" fmla="*/ 243 h 1184"/>
+                <a:gd name="T36" fmla="*/ 1047 w 1184"/>
+                <a:gd name="T37" fmla="*/ 400 h 1184"/>
+                <a:gd name="T38" fmla="*/ 1085 w 1184"/>
+                <a:gd name="T39" fmla="*/ 592 h 1184"/>
+                <a:gd name="T40" fmla="*/ 1047 w 1184"/>
+                <a:gd name="T41" fmla="*/ 784 h 1184"/>
+                <a:gd name="T42" fmla="*/ 941 w 1184"/>
+                <a:gd name="T43" fmla="*/ 941 h 1184"/>
+              </a:gdLst>
+              <a:ahLst/>
+              <a:cxnLst>
+                <a:cxn ang="0">
+                  <a:pos x="T0" y="T1"/>
+                </a:cxn>
+                <a:cxn ang="0">
+                  <a:pos x="T2" y="T3"/>
+                </a:cxn>
+                <a:cxn ang="0">
+                  <a:pos x="T4" y="T5"/>
+                </a:cxn>
+                <a:cxn ang="0">
+                  <a:pos x="T6" y="T7"/>
+                </a:cxn>
+                <a:cxn ang="0">
+                  <a:pos x="T8" y="T9"/>
+                </a:cxn>
+                <a:cxn ang="0">
+                  <a:pos x="T10" y="T11"/>
+                </a:cxn>
+                <a:cxn ang="0">
+                  <a:pos x="T12" y="T13"/>
+                </a:cxn>
+                <a:cxn ang="0">
+                  <a:pos x="T14" y="T15"/>
+                </a:cxn>
+                <a:cxn ang="0">
+                  <a:pos x="T16" y="T17"/>
+                </a:cxn>
+                <a:cxn ang="0">
+                  <a:pos x="T18" y="T19"/>
+                </a:cxn>
+                <a:cxn ang="0">
+                  <a:pos x="T20" y="T21"/>
+                </a:cxn>
+                <a:cxn ang="0">
+                  <a:pos x="T22" y="T23"/>
+                </a:cxn>
+                <a:cxn ang="0">
+                  <a:pos x="T24" y="T25"/>
+                </a:cxn>
+                <a:cxn ang="0">
+                  <a:pos x="T26" y="T27"/>
+                </a:cxn>
+                <a:cxn ang="0">
+                  <a:pos x="T28" y="T29"/>
+                </a:cxn>
+                <a:cxn ang="0">
+                  <a:pos x="T30" y="T31"/>
+                </a:cxn>
+                <a:cxn ang="0">
+                  <a:pos x="T32" y="T33"/>
+                </a:cxn>
+                <a:cxn ang="0">
+                  <a:pos x="T34" y="T35"/>
+                </a:cxn>
+                <a:cxn ang="0">
+                  <a:pos x="T36" y="T37"/>
+                </a:cxn>
+                <a:cxn ang="0">
+                  <a:pos x="T38" y="T39"/>
+                </a:cxn>
+                <a:cxn ang="0">
+                  <a:pos x="T40" y="T41"/>
+                </a:cxn>
+                <a:cxn ang="0">
+                  <a:pos x="T42" y="T43"/>
+                </a:cxn>
+              </a:cxnLst>
+              <a:rect l="0" t="0" r="r" b="b"/>
+              <a:pathLst>
+                <a:path w="1184" h="1184">
+                  <a:moveTo>
+                    <a:pt x="592" y="0"/>
+                  </a:moveTo>
+                  <a:cubicBezTo>
+                    <a:pt x="265" y="0"/>
+                    <a:pt x="0" y="265"/>
+                    <a:pt x="0" y="592"/>
+                  </a:cubicBezTo>
+                  <a:cubicBezTo>
+                    <a:pt x="0" y="919"/>
+                    <a:pt x="265" y="1184"/>
+                    <a:pt x="592" y="1184"/>
+                  </a:cubicBezTo>
+                  <a:cubicBezTo>
+                    <a:pt x="919" y="1184"/>
+                    <a:pt x="1184" y="919"/>
+                    <a:pt x="1184" y="592"/>
+                  </a:cubicBezTo>
+                  <a:cubicBezTo>
+                    <a:pt x="1184" y="265"/>
+                    <a:pt x="919" y="0"/>
+                    <a:pt x="592" y="0"/>
+                  </a:cubicBezTo>
+                  <a:close/>
+                  <a:moveTo>
+                    <a:pt x="941" y="941"/>
+                  </a:moveTo>
+                  <a:cubicBezTo>
+                    <a:pt x="896" y="986"/>
+                    <a:pt x="843" y="1022"/>
+                    <a:pt x="784" y="1047"/>
+                  </a:cubicBezTo>
+                  <a:cubicBezTo>
+                    <a:pt x="723" y="1072"/>
+                    <a:pt x="659" y="1085"/>
+                    <a:pt x="592" y="1085"/>
+                  </a:cubicBezTo>
+                  <a:cubicBezTo>
+                    <a:pt x="525" y="1085"/>
+                    <a:pt x="461" y="1072"/>
+                    <a:pt x="400" y="1047"/>
+                  </a:cubicBezTo>
+                  <a:cubicBezTo>
+                    <a:pt x="341" y="1022"/>
+                    <a:pt x="288" y="986"/>
+                    <a:pt x="243" y="941"/>
+                  </a:cubicBezTo>
+                  <a:cubicBezTo>
+                    <a:pt x="198" y="896"/>
+                    <a:pt x="162" y="843"/>
+                    <a:pt x="137" y="784"/>
+                  </a:cubicBezTo>
+                  <a:cubicBezTo>
+                    <a:pt x="112" y="723"/>
+                    <a:pt x="99" y="659"/>
+                    <a:pt x="99" y="592"/>
+                  </a:cubicBezTo>
+                  <a:cubicBezTo>
+                    <a:pt x="99" y="525"/>
+                    <a:pt x="112" y="461"/>
+                    <a:pt x="137" y="400"/>
+                  </a:cubicBezTo>
+                  <a:cubicBezTo>
+                    <a:pt x="162" y="341"/>
+                    <a:pt x="198" y="288"/>
+                    <a:pt x="243" y="243"/>
+                  </a:cubicBezTo>
+                  <a:cubicBezTo>
+                    <a:pt x="288" y="198"/>
+                    <a:pt x="341" y="162"/>
+                    <a:pt x="400" y="137"/>
+                  </a:cubicBezTo>
+                  <a:cubicBezTo>
+                    <a:pt x="461" y="112"/>
+                    <a:pt x="525" y="99"/>
+                    <a:pt x="592" y="99"/>
+                  </a:cubicBezTo>
+                  <a:cubicBezTo>
+                    <a:pt x="659" y="99"/>
+                    <a:pt x="723" y="112"/>
+                    <a:pt x="784" y="137"/>
+                  </a:cubicBezTo>
+                  <a:cubicBezTo>
+                    <a:pt x="843" y="162"/>
+                    <a:pt x="896" y="198"/>
+                    <a:pt x="941" y="243"/>
+                  </a:cubicBezTo>
+                  <a:cubicBezTo>
+                    <a:pt x="986" y="288"/>
+                    <a:pt x="1022" y="341"/>
+                    <a:pt x="1047" y="400"/>
+                  </a:cubicBezTo>
+                  <a:cubicBezTo>
+                    <a:pt x="1072" y="461"/>
+                    <a:pt x="1085" y="525"/>
+                    <a:pt x="1085" y="592"/>
+                  </a:cubicBezTo>
+                  <a:cubicBezTo>
+                    <a:pt x="1085" y="659"/>
+                    <a:pt x="1072" y="723"/>
+                    <a:pt x="1047" y="784"/>
+                  </a:cubicBezTo>
+                  <a:cubicBezTo>
+                    <a:pt x="1022" y="843"/>
+                    <a:pt x="986" y="896"/>
+                    <a:pt x="941" y="941"/>
+                  </a:cubicBezTo>
+                  <a:close/>
+                </a:path>
+              </a:pathLst>
+            </a:custGeom>
+            <a:solidFill>
+              <a:srgbClr val="49889B"/>
+            </a:solidFill>
+            <a:ln w="9525">
+              <a:noFill/>
+              <a:round/>
+              <a:headEnd/>
+              <a:tailEnd/>
+            </a:ln>
+          </p:spPr>
+          <p:txBody>
+            <a:bodyPr vert="horz" wrap="square" lIns="91440" tIns="45720" rIns="91440" bIns="45720" numCol="1" anchor="t" anchorCtr="0" compatLnSpc="1">
+              <a:prstTxWarp prst="textNoShape">
+                <a:avLst/>
+              </a:prstTxWarp>
+            </a:bodyPr>
+            <a:lstStyle/>
+            <a:p>
+              <a:pPr marL="0" marR="0" lvl="0" indent="0" algn="l" defTabSz="914400" rtl="0" eaLnBrk="1" fontAlgn="auto" latinLnBrk="0" hangingPunct="1">
+                <a:lnSpc>
+                  <a:spcPct val="100000"/>
+                </a:lnSpc>
+                <a:spcBef>
+                  <a:spcPts val="0"/>
+                </a:spcBef>
+                <a:spcAft>
+                  <a:spcPts val="0"/>
+                </a:spcAft>
+                <a:buClrTx/>
+                <a:buSzTx/>
+                <a:buFontTx/>
+                <a:buNone/>
+                <a:tabLst/>
+                <a:defRPr/>
+              </a:pPr>
+              <a:endParaRPr kumimoji="0" lang="zh-CN" altLang="en-US" sz="1800" b="0" i="0" u="none" strike="noStrike" kern="1200" cap="none" spc="0" normalizeH="0" baseline="0" noProof="0">
+                <a:ln>
+                  <a:noFill/>
+                </a:ln>
+                <a:solidFill>
+                  <a:prstClr val="black"/>
+                </a:solidFill>
+                <a:effectLst/>
+                <a:uLnTx/>
+                <a:uFillTx/>
+                <a:latin typeface="Calibri"/>
+                <a:ea typeface="宋体" panose="02010600030101010101" pitchFamily="2" charset="-122"/>
+                <a:cs typeface="+mn-cs"/>
+              </a:endParaRPr>
+            </a:p>
+          </p:txBody>
+        </p:sp>
+      </p:grpSp>
+      <p:pic>
+        <p:nvPicPr>
+          <p:cNvPr id="11" name="图形 10" descr="男人">
+            <a:extLst>
+              <a:ext uri="{FF2B5EF4-FFF2-40B4-BE49-F238E27FC236}">
+                <a16:creationId xmlns:a16="http://schemas.microsoft.com/office/drawing/2014/main" id="{76C363D4-C747-6676-2A66-4AB614B4A17C}"/>
+              </a:ext>
+            </a:extLst>
+          </p:cNvPr>
+          <p:cNvPicPr>
+            <a:picLocks noChangeAspect="1"/>
+          </p:cNvPicPr>
+          <p:nvPr/>
+        </p:nvPicPr>
+        <p:blipFill>
+          <a:blip r:embed="rId3">
+            <a:extLst>
+              <a:ext uri="{28A0092B-C50C-407E-A947-70E740481C1C}">
+                <a14:useLocalDpi xmlns:a14="http://schemas.microsoft.com/office/drawing/2010/main" val="0"/>
+              </a:ext>
+              <a:ext uri="{96DAC541-7B7A-43D3-8B79-37D633B846F1}">
+                <asvg:svgBlip xmlns:asvg="http://schemas.microsoft.com/office/drawing/2016/SVG/main" r:embed="rId4"/>
+              </a:ext>
+            </a:extLst>
+          </a:blip>
+          <a:stretch>
+            <a:fillRect/>
+          </a:stretch>
+        </p:blipFill>
+        <p:spPr>
+          <a:xfrm>
+            <a:off x="1496242" y="2605703"/>
+            <a:ext cx="1086966" cy="1086966"/>
+          </a:xfrm>
+          <a:prstGeom prst="rect">
+            <a:avLst/>
+          </a:prstGeom>
+        </p:spPr>
+      </p:pic>
+    </p:spTree>
+    <p:extLst>
+      <p:ext uri="{BB962C8B-B14F-4D97-AF65-F5344CB8AC3E}">
+        <p14:creationId xmlns:p14="http://schemas.microsoft.com/office/powerpoint/2010/main" val="105017844"/>
+      </p:ext>
+    </p:extLst>
+  </p:cSld>
+  <p:clrMapOvr>
+    <a:masterClrMapping/>
+  </p:clrMapOvr>
+  <mc:AlternateContent xmlns:mc="http://schemas.openxmlformats.org/markup-compatibility/2006" xmlns:p14="http://schemas.microsoft.com/office/powerpoint/2010/main">
+    <mc:Choice Requires="p14">
+      <p:transition spd="slow" p14:dur="1500" advTm="3000">
+        <p:random/>
+      </p:transition>
+    </mc:Choice>
+    <mc:Fallback xmlns="">
+      <p:transition spd="slow" advTm="3000">
+        <p:random/>
+      </p:transition>
+    </mc:Fallback>
+  </mc:AlternateContent>
+  <p:timing>
+    <p:tnLst>
+      <p:par>
+        <p:cTn id="1" dur="indefinite" restart="never" nodeType="tmRoot">
+          <p:childTnLst>
+            <p:seq concurrent="1" nextAc="seek">
+              <p:cTn id="2" dur="indefinite" nodeType="mainSeq">
+                <p:childTnLst>
+                  <p:par>
+                    <p:cTn id="3" fill="hold">
+                      <p:stCondLst>
+                        <p:cond delay="indefinite"/>
+                        <p:cond evt="onBegin" delay="0">
+                          <p:tn val="2"/>
+                        </p:cond>
+                      </p:stCondLst>
+                      <p:childTnLst>
+                        <p:par>
+                          <p:cTn id="4" fill="hold">
+                            <p:stCondLst>
+                              <p:cond delay="0"/>
+                            </p:stCondLst>
+                            <p:childTnLst>
+                              <p:par>
+                                <p:cTn id="5" presetID="42" presetClass="entr" presetSubtype="0" fill="hold" grpId="0" nodeType="afterEffect">
+                                  <p:stCondLst>
+                                    <p:cond delay="0"/>
+                                  </p:stCondLst>
+                                  <p:childTnLst>
+                                    <p:set>
+                                      <p:cBhvr>
+                                        <p:cTn id="6" dur="1" fill="hold">
+                                          <p:stCondLst>
+                                            <p:cond delay="0"/>
+                                          </p:stCondLst>
+                                        </p:cTn>
+                                        <p:tgtEl>
+                                          <p:spTgt spid="8"/>
+                                        </p:tgtEl>
+                                        <p:attrNameLst>
+                                          <p:attrName>style.visibility</p:attrName>
+                                        </p:attrNameLst>
+                                      </p:cBhvr>
+                                      <p:to>
+                                        <p:strVal val="visible"/>
+                                      </p:to>
+                                    </p:set>
+                                    <p:animEffect transition="in" filter="fade">
+                                      <p:cBhvr>
+                                        <p:cTn id="7" dur="500"/>
+                                        <p:tgtEl>
+                                          <p:spTgt spid="8"/>
+                                        </p:tgtEl>
+                                      </p:cBhvr>
+                                    </p:animEffect>
+                                    <p:anim calcmode="lin" valueType="num">
+                                      <p:cBhvr>
+                                        <p:cTn id="8" dur="500" fill="hold"/>
+                                        <p:tgtEl>
+                                          <p:spTgt spid="8"/>
+                                        </p:tgtEl>
+                                        <p:attrNameLst>
+                                          <p:attrName>ppt_x</p:attrName>
+                                        </p:attrNameLst>
+                                      </p:cBhvr>
+                                      <p:tavLst>
+                                        <p:tav tm="0">
+                                          <p:val>
+                                            <p:strVal val="#ppt_x"/>
+                                          </p:val>
+                                        </p:tav>
+                                        <p:tav tm="100000">
+                                          <p:val>
+                                            <p:strVal val="#ppt_x"/>
+                                          </p:val>
+                                        </p:tav>
+                                      </p:tavLst>
+                                    </p:anim>
+                                    <p:anim calcmode="lin" valueType="num">
+                                      <p:cBhvr>
+                                        <p:cTn id="9" dur="500" fill="hold"/>
+                                        <p:tgtEl>
+                                          <p:spTgt spid="8"/>
+                                        </p:tgtEl>
+                                        <p:attrNameLst>
+                                          <p:attrName>ppt_y</p:attrName>
+                                        </p:attrNameLst>
+                                      </p:cBhvr>
+                                      <p:tavLst>
+                                        <p:tav tm="0">
+                                          <p:val>
+                                            <p:strVal val="#ppt_y+.1"/>
+                                          </p:val>
+                                        </p:tav>
+                                        <p:tav tm="100000">
+                                          <p:val>
+                                            <p:strVal val="#ppt_y"/>
+                                          </p:val>
+                                        </p:tav>
+                                      </p:tavLst>
+                                    </p:anim>
+                                  </p:childTnLst>
+                                </p:cTn>
+                              </p:par>
+                            </p:childTnLst>
+                          </p:cTn>
+                        </p:par>
+                        <p:par>
+                          <p:cTn id="10" fill="hold">
+                            <p:stCondLst>
+                              <p:cond delay="500"/>
+                            </p:stCondLst>
+                            <p:childTnLst>
+                              <p:par>
+                                <p:cTn id="11" presetID="9" presetClass="entr" presetSubtype="0" fill="hold" grpId="0" nodeType="afterEffect">
+                                  <p:stCondLst>
+                                    <p:cond delay="0"/>
+                                  </p:stCondLst>
+                                  <p:childTnLst>
+                                    <p:set>
+                                      <p:cBhvr>
+                                        <p:cTn id="12" dur="1" fill="hold">
+                                          <p:stCondLst>
+                                            <p:cond delay="0"/>
+                                          </p:stCondLst>
+                                        </p:cTn>
+                                        <p:tgtEl>
+                                          <p:spTgt spid="42"/>
+                                        </p:tgtEl>
+                                        <p:attrNameLst>
+                                          <p:attrName>style.visibility</p:attrName>
+                                        </p:attrNameLst>
+                                      </p:cBhvr>
+                                      <p:to>
+                                        <p:strVal val="visible"/>
+                                      </p:to>
+                                    </p:set>
+                                    <p:animEffect transition="in" filter="dissolve">
+                                      <p:cBhvr>
+                                        <p:cTn id="13" dur="500"/>
+                                        <p:tgtEl>
+                                          <p:spTgt spid="42"/>
+                                        </p:tgtEl>
+                                      </p:cBhvr>
+                                    </p:animEffect>
+                                  </p:childTnLst>
+                                </p:cTn>
+                              </p:par>
+                            </p:childTnLst>
+                          </p:cTn>
+                        </p:par>
+                        <p:par>
+                          <p:cTn id="14" fill="hold">
+                            <p:stCondLst>
+                              <p:cond delay="1000"/>
+                            </p:stCondLst>
+                            <p:childTnLst>
+                              <p:par>
+                                <p:cTn id="15" presetID="2" presetClass="entr" presetSubtype="8" fill="hold" nodeType="afterEffect">
+                                  <p:stCondLst>
+                                    <p:cond delay="0"/>
+                                  </p:stCondLst>
+                                  <p:childTnLst>
+                                    <p:set>
+                                      <p:cBhvr>
+                                        <p:cTn id="16" dur="1" fill="hold">
+                                          <p:stCondLst>
+                                            <p:cond delay="0"/>
+                                          </p:stCondLst>
+                                        </p:cTn>
+                                        <p:tgtEl>
+                                          <p:spTgt spid="7"/>
+                                        </p:tgtEl>
+                                        <p:attrNameLst>
+                                          <p:attrName>style.visibility</p:attrName>
+                                        </p:attrNameLst>
+                                      </p:cBhvr>
+                                      <p:to>
+                                        <p:strVal val="visible"/>
+                                      </p:to>
+                                    </p:set>
+                                    <p:anim calcmode="lin" valueType="num">
+                                      <p:cBhvr additive="base">
+                                        <p:cTn id="17" dur="500" fill="hold"/>
+                                        <p:tgtEl>
+                                          <p:spTgt spid="7"/>
+                                        </p:tgtEl>
+                                        <p:attrNameLst>
+                                          <p:attrName>ppt_x</p:attrName>
+                                        </p:attrNameLst>
+                                      </p:cBhvr>
+                                      <p:tavLst>
+                                        <p:tav tm="0">
+                                          <p:val>
+                                            <p:strVal val="0-#ppt_w/2"/>
+                                          </p:val>
+                                        </p:tav>
+                                        <p:tav tm="100000">
+                                          <p:val>
+                                            <p:strVal val="#ppt_x"/>
+                                          </p:val>
+                                        </p:tav>
+                                      </p:tavLst>
+                                    </p:anim>
+                                    <p:anim calcmode="lin" valueType="num">
+                                      <p:cBhvr additive="base">
+                                        <p:cTn id="18" dur="500" fill="hold"/>
+                                        <p:tgtEl>
+                                          <p:spTgt spid="7"/>
+                                        </p:tgtEl>
+                                        <p:attrNameLst>
+                                          <p:attrName>ppt_y</p:attrName>
+                                        </p:attrNameLst>
+                                      </p:cBhvr>
+                                      <p:tavLst>
+                                        <p:tav tm="0">
+                                          <p:val>
+                                            <p:strVal val="#ppt_y"/>
+                                          </p:val>
+                                        </p:tav>
+                                        <p:tav tm="100000">
+                                          <p:val>
+                                            <p:strVal val="#ppt_y"/>
+                                          </p:val>
+                                        </p:tav>
+                                      </p:tavLst>
+                                    </p:anim>
+                                  </p:childTnLst>
+                                </p:cTn>
+                              </p:par>
+                            </p:childTnLst>
+                          </p:cTn>
+                        </p:par>
+                      </p:childTnLst>
+                    </p:cTn>
+                  </p:par>
+                </p:childTnLst>
+              </p:cTn>
+              <p:prevCondLst>
+                <p:cond evt="onPrev" delay="0">
+                  <p:tgtEl>
+                    <p:sldTgt/>
+                  </p:tgtEl>
+                </p:cond>
+              </p:prevCondLst>
+              <p:nextCondLst>
+                <p:cond evt="onNext" delay="0">
+                  <p:tgtEl>
+                    <p:sldTgt/>
+                  </p:tgtEl>
+                </p:cond>
+              </p:nextCondLst>
+            </p:seq>
+          </p:childTnLst>
+        </p:cTn>
+      </p:par>
+    </p:tnLst>
+    <p:bldLst>
+      <p:bldP spid="42" grpId="0"/>
+      <p:bldP spid="8" grpId="0" animBg="1"/>
+    </p:bldLst>
+  </p:timing>
+</p:sld>
+</file>
+
+<file path=ppt/slides/slide14.xml><?xml version="1.0" encoding="utf-8"?>
+<p:sld xmlns:a="http://schemas.openxmlformats.org/drawingml/2006/main" xmlns:r="http://schemas.openxmlformats.org/officeDocument/2006/relationships" xmlns:p="http://schemas.openxmlformats.org/presentationml/2006/main">
+  <p:cSld>
+    <p:spTree>
+      <p:nvGrpSpPr>
+        <p:cNvPr id="1" name=""/>
+        <p:cNvGrpSpPr/>
+        <p:nvPr/>
+      </p:nvGrpSpPr>
+      <p:grpSpPr>
+        <a:xfrm>
+          <a:off x="0" y="0"/>
+          <a:ext cx="0" cy="0"/>
+          <a:chOff x="0" y="0"/>
+          <a:chExt cx="0" cy="0"/>
+        </a:xfrm>
+      </p:grpSpPr>
+      <p:pic>
+        <p:nvPicPr>
+          <p:cNvPr id="3" name="图片 2">
+            <a:extLst>
+              <a:ext uri="{FF2B5EF4-FFF2-40B4-BE49-F238E27FC236}">
                 <a16:creationId xmlns:a16="http://schemas.microsoft.com/office/drawing/2014/main" id="{39BF8F12-0CB6-0D9E-4D85-38C5B20AB5E1}"/>
               </a:ext>
             </a:extLst>
@@ -7041,7 +9281,7 @@
 </p:sld>
 </file>
 
-<file path=ppt/slides/slide11.xml><?xml version="1.0" encoding="utf-8"?>
+<file path=ppt/slides/slide15.xml><?xml version="1.0" encoding="utf-8"?>
 <p:sld xmlns:a="http://schemas.openxmlformats.org/drawingml/2006/main" xmlns:r="http://schemas.openxmlformats.org/officeDocument/2006/relationships" xmlns:p="http://schemas.openxmlformats.org/presentationml/2006/main">
   <p:cSld>
     <p:spTree>
@@ -8453,7 +10693,7 @@
 </p:sld>
 </file>
 
-<file path=ppt/slides/slide12.xml><?xml version="1.0" encoding="utf-8"?>
+<file path=ppt/slides/slide16.xml><?xml version="1.0" encoding="utf-8"?>
 <p:sld xmlns:a="http://schemas.openxmlformats.org/drawingml/2006/main" xmlns:r="http://schemas.openxmlformats.org/officeDocument/2006/relationships" xmlns:p="http://schemas.openxmlformats.org/presentationml/2006/main">
   <p:cSld>
     <p:spTree>
@@ -14429,8 +16669,8 @@
         </p:blipFill>
         <p:spPr>
           <a:xfrm>
-            <a:off x="169682" y="1331924"/>
-            <a:ext cx="11852635" cy="4471559"/>
+            <a:off x="169682" y="414779"/>
+            <a:ext cx="11852635" cy="6249971"/>
           </a:xfrm>
           <a:prstGeom prst="rect">
             <a:avLst/>
@@ -14856,8 +17096,8 @@
         </p:blipFill>
         <p:spPr>
           <a:xfrm>
-            <a:off x="227548" y="1824388"/>
-            <a:ext cx="11964452" cy="3751859"/>
+            <a:off x="227548" y="1082104"/>
+            <a:ext cx="11964452" cy="5337550"/>
           </a:xfrm>
           <a:prstGeom prst="rect">
             <a:avLst/>
@@ -14909,456 +17149,12 @@
           <a:chExt cx="0" cy="0"/>
         </a:xfrm>
       </p:grpSpPr>
-      <p:sp>
-        <p:nvSpPr>
-          <p:cNvPr id="42" name="矩形 41">
+      <p:pic>
+        <p:nvPicPr>
+          <p:cNvPr id="3" name="图片 2">
             <a:extLst>
               <a:ext uri="{FF2B5EF4-FFF2-40B4-BE49-F238E27FC236}">
-                <a16:creationId xmlns:a16="http://schemas.microsoft.com/office/drawing/2014/main" id="{704141B5-1126-40ED-B9A4-7CACFC74C7C8}"/>
-              </a:ext>
-            </a:extLst>
-          </p:cNvPr>
-          <p:cNvSpPr/>
-          <p:nvPr/>
-        </p:nvSpPr>
-        <p:spPr>
-          <a:xfrm>
-            <a:off x="3274541" y="2890468"/>
-            <a:ext cx="8192529" cy="769441"/>
-          </a:xfrm>
-          <a:prstGeom prst="rect">
-            <a:avLst/>
-          </a:prstGeom>
-        </p:spPr>
-        <p:txBody>
-          <a:bodyPr wrap="square">
-            <a:spAutoFit/>
-          </a:bodyPr>
-          <a:lstStyle/>
-          <a:p>
-            <a:pPr lvl="0" algn="ctr">
-              <a:defRPr/>
-            </a:pPr>
-            <a:r>
-              <a:rPr lang="zh-CN" altLang="en-US" sz="4400" b="1" kern="100" dirty="0">
-                <a:solidFill>
-                  <a:srgbClr val="49889B"/>
-                </a:solidFill>
-                <a:latin typeface="微软雅黑" panose="020B0503020204020204" pitchFamily="34" charset="-122"/>
-                <a:ea typeface="微软雅黑" panose="020B0503020204020204" pitchFamily="34" charset="-122"/>
-                <a:cs typeface="Times New Roman" panose="02020603050405020304" pitchFamily="18" charset="0"/>
-              </a:rPr>
-              <a:t>二、代码实现</a:t>
-            </a:r>
-          </a:p>
-        </p:txBody>
-      </p:sp>
-      <p:grpSp>
-        <p:nvGrpSpPr>
-          <p:cNvPr id="7" name="组合 6">
-            <a:extLst>
-              <a:ext uri="{FF2B5EF4-FFF2-40B4-BE49-F238E27FC236}">
-                <a16:creationId xmlns:a16="http://schemas.microsoft.com/office/drawing/2014/main" id="{340E8A55-D79A-719B-F056-0A07FD5B9A05}"/>
-              </a:ext>
-            </a:extLst>
-          </p:cNvPr>
-          <p:cNvGrpSpPr/>
-          <p:nvPr/>
-        </p:nvGrpSpPr>
-        <p:grpSpPr>
-          <a:xfrm>
-            <a:off x="1164516" y="2335758"/>
-            <a:ext cx="1527883" cy="1554050"/>
-            <a:chOff x="4584701" y="522287"/>
-            <a:chExt cx="2744788" cy="2752726"/>
-          </a:xfrm>
-          <a:solidFill>
-            <a:srgbClr val="202A36"/>
-          </a:solidFill>
-        </p:grpSpPr>
-        <p:sp>
-          <p:nvSpPr>
-            <p:cNvPr id="9" name="Oval 5">
-              <a:extLst>
-                <a:ext uri="{FF2B5EF4-FFF2-40B4-BE49-F238E27FC236}">
-                  <a16:creationId xmlns:a16="http://schemas.microsoft.com/office/drawing/2014/main" id="{43188E9E-EC71-DA4B-7A30-8ADCB2E740AA}"/>
-                </a:ext>
-              </a:extLst>
-            </p:cNvPr>
-            <p:cNvSpPr>
-              <a:spLocks noChangeArrowheads="1"/>
-            </p:cNvSpPr>
-            <p:nvPr/>
-          </p:nvSpPr>
-          <p:spPr bwMode="auto">
-            <a:xfrm>
-              <a:off x="4837113" y="774700"/>
-              <a:ext cx="2238375" cy="2246313"/>
-            </a:xfrm>
-            <a:prstGeom prst="ellipse">
-              <a:avLst/>
-            </a:prstGeom>
-            <a:solidFill>
-              <a:srgbClr val="49889B"/>
-            </a:solidFill>
-            <a:ln w="9525">
-              <a:noFill/>
-              <a:round/>
-              <a:headEnd/>
-              <a:tailEnd/>
-            </a:ln>
-          </p:spPr>
-          <p:txBody>
-            <a:bodyPr vert="horz" wrap="square" lIns="91440" tIns="45720" rIns="91440" bIns="45720" numCol="1" anchor="t" anchorCtr="0" compatLnSpc="1">
-              <a:prstTxWarp prst="textNoShape">
-                <a:avLst/>
-              </a:prstTxWarp>
-            </a:bodyPr>
-            <a:lstStyle/>
-            <a:p>
-              <a:pPr marL="0" marR="0" lvl="0" indent="0" algn="l" defTabSz="914400" rtl="0" eaLnBrk="1" fontAlgn="auto" latinLnBrk="0" hangingPunct="1">
-                <a:lnSpc>
-                  <a:spcPct val="100000"/>
-                </a:lnSpc>
-                <a:spcBef>
-                  <a:spcPts val="0"/>
-                </a:spcBef>
-                <a:spcAft>
-                  <a:spcPts val="0"/>
-                </a:spcAft>
-                <a:buClrTx/>
-                <a:buSzTx/>
-                <a:buFontTx/>
-                <a:buNone/>
-                <a:tabLst/>
-                <a:defRPr/>
-              </a:pPr>
-              <a:endParaRPr kumimoji="0" lang="zh-CN" altLang="en-US" sz="1800" b="0" i="0" u="none" strike="noStrike" kern="1200" cap="none" spc="0" normalizeH="0" baseline="0" noProof="0">
-                <a:ln>
-                  <a:noFill/>
-                </a:ln>
-                <a:solidFill>
-                  <a:prstClr val="black"/>
-                </a:solidFill>
-                <a:effectLst/>
-                <a:uLnTx/>
-                <a:uFillTx/>
-                <a:latin typeface="Calibri"/>
-                <a:ea typeface="宋体" panose="02010600030101010101" pitchFamily="2" charset="-122"/>
-                <a:cs typeface="+mn-cs"/>
-              </a:endParaRPr>
-            </a:p>
-          </p:txBody>
-        </p:sp>
-        <p:sp>
-          <p:nvSpPr>
-            <p:cNvPr id="10" name="Freeform 6">
-              <a:extLst>
-                <a:ext uri="{FF2B5EF4-FFF2-40B4-BE49-F238E27FC236}">
-                  <a16:creationId xmlns:a16="http://schemas.microsoft.com/office/drawing/2014/main" id="{72675791-3AAB-15A8-364F-DFF2F6BC980E}"/>
-                </a:ext>
-              </a:extLst>
-            </p:cNvPr>
-            <p:cNvSpPr>
-              <a:spLocks noEditPoints="1"/>
-            </p:cNvSpPr>
-            <p:nvPr/>
-          </p:nvSpPr>
-          <p:spPr bwMode="auto">
-            <a:xfrm>
-              <a:off x="4584701" y="522287"/>
-              <a:ext cx="2744788" cy="2752726"/>
-            </a:xfrm>
-            <a:custGeom>
-              <a:avLst/>
-              <a:gdLst>
-                <a:gd name="T0" fmla="*/ 592 w 1184"/>
-                <a:gd name="T1" fmla="*/ 0 h 1184"/>
-                <a:gd name="T2" fmla="*/ 0 w 1184"/>
-                <a:gd name="T3" fmla="*/ 592 h 1184"/>
-                <a:gd name="T4" fmla="*/ 592 w 1184"/>
-                <a:gd name="T5" fmla="*/ 1184 h 1184"/>
-                <a:gd name="T6" fmla="*/ 1184 w 1184"/>
-                <a:gd name="T7" fmla="*/ 592 h 1184"/>
-                <a:gd name="T8" fmla="*/ 592 w 1184"/>
-                <a:gd name="T9" fmla="*/ 0 h 1184"/>
-                <a:gd name="T10" fmla="*/ 941 w 1184"/>
-                <a:gd name="T11" fmla="*/ 941 h 1184"/>
-                <a:gd name="T12" fmla="*/ 784 w 1184"/>
-                <a:gd name="T13" fmla="*/ 1047 h 1184"/>
-                <a:gd name="T14" fmla="*/ 592 w 1184"/>
-                <a:gd name="T15" fmla="*/ 1085 h 1184"/>
-                <a:gd name="T16" fmla="*/ 400 w 1184"/>
-                <a:gd name="T17" fmla="*/ 1047 h 1184"/>
-                <a:gd name="T18" fmla="*/ 243 w 1184"/>
-                <a:gd name="T19" fmla="*/ 941 h 1184"/>
-                <a:gd name="T20" fmla="*/ 137 w 1184"/>
-                <a:gd name="T21" fmla="*/ 784 h 1184"/>
-                <a:gd name="T22" fmla="*/ 99 w 1184"/>
-                <a:gd name="T23" fmla="*/ 592 h 1184"/>
-                <a:gd name="T24" fmla="*/ 137 w 1184"/>
-                <a:gd name="T25" fmla="*/ 400 h 1184"/>
-                <a:gd name="T26" fmla="*/ 243 w 1184"/>
-                <a:gd name="T27" fmla="*/ 243 h 1184"/>
-                <a:gd name="T28" fmla="*/ 400 w 1184"/>
-                <a:gd name="T29" fmla="*/ 137 h 1184"/>
-                <a:gd name="T30" fmla="*/ 592 w 1184"/>
-                <a:gd name="T31" fmla="*/ 99 h 1184"/>
-                <a:gd name="T32" fmla="*/ 784 w 1184"/>
-                <a:gd name="T33" fmla="*/ 137 h 1184"/>
-                <a:gd name="T34" fmla="*/ 941 w 1184"/>
-                <a:gd name="T35" fmla="*/ 243 h 1184"/>
-                <a:gd name="T36" fmla="*/ 1047 w 1184"/>
-                <a:gd name="T37" fmla="*/ 400 h 1184"/>
-                <a:gd name="T38" fmla="*/ 1085 w 1184"/>
-                <a:gd name="T39" fmla="*/ 592 h 1184"/>
-                <a:gd name="T40" fmla="*/ 1047 w 1184"/>
-                <a:gd name="T41" fmla="*/ 784 h 1184"/>
-                <a:gd name="T42" fmla="*/ 941 w 1184"/>
-                <a:gd name="T43" fmla="*/ 941 h 1184"/>
-              </a:gdLst>
-              <a:ahLst/>
-              <a:cxnLst>
-                <a:cxn ang="0">
-                  <a:pos x="T0" y="T1"/>
-                </a:cxn>
-                <a:cxn ang="0">
-                  <a:pos x="T2" y="T3"/>
-                </a:cxn>
-                <a:cxn ang="0">
-                  <a:pos x="T4" y="T5"/>
-                </a:cxn>
-                <a:cxn ang="0">
-                  <a:pos x="T6" y="T7"/>
-                </a:cxn>
-                <a:cxn ang="0">
-                  <a:pos x="T8" y="T9"/>
-                </a:cxn>
-                <a:cxn ang="0">
-                  <a:pos x="T10" y="T11"/>
-                </a:cxn>
-                <a:cxn ang="0">
-                  <a:pos x="T12" y="T13"/>
-                </a:cxn>
-                <a:cxn ang="0">
-                  <a:pos x="T14" y="T15"/>
-                </a:cxn>
-                <a:cxn ang="0">
-                  <a:pos x="T16" y="T17"/>
-                </a:cxn>
-                <a:cxn ang="0">
-                  <a:pos x="T18" y="T19"/>
-                </a:cxn>
-                <a:cxn ang="0">
-                  <a:pos x="T20" y="T21"/>
-                </a:cxn>
-                <a:cxn ang="0">
-                  <a:pos x="T22" y="T23"/>
-                </a:cxn>
-                <a:cxn ang="0">
-                  <a:pos x="T24" y="T25"/>
-                </a:cxn>
-                <a:cxn ang="0">
-                  <a:pos x="T26" y="T27"/>
-                </a:cxn>
-                <a:cxn ang="0">
-                  <a:pos x="T28" y="T29"/>
-                </a:cxn>
-                <a:cxn ang="0">
-                  <a:pos x="T30" y="T31"/>
-                </a:cxn>
-                <a:cxn ang="0">
-                  <a:pos x="T32" y="T33"/>
-                </a:cxn>
-                <a:cxn ang="0">
-                  <a:pos x="T34" y="T35"/>
-                </a:cxn>
-                <a:cxn ang="0">
-                  <a:pos x="T36" y="T37"/>
-                </a:cxn>
-                <a:cxn ang="0">
-                  <a:pos x="T38" y="T39"/>
-                </a:cxn>
-                <a:cxn ang="0">
-                  <a:pos x="T40" y="T41"/>
-                </a:cxn>
-                <a:cxn ang="0">
-                  <a:pos x="T42" y="T43"/>
-                </a:cxn>
-              </a:cxnLst>
-              <a:rect l="0" t="0" r="r" b="b"/>
-              <a:pathLst>
-                <a:path w="1184" h="1184">
-                  <a:moveTo>
-                    <a:pt x="592" y="0"/>
-                  </a:moveTo>
-                  <a:cubicBezTo>
-                    <a:pt x="265" y="0"/>
-                    <a:pt x="0" y="265"/>
-                    <a:pt x="0" y="592"/>
-                  </a:cubicBezTo>
-                  <a:cubicBezTo>
-                    <a:pt x="0" y="919"/>
-                    <a:pt x="265" y="1184"/>
-                    <a:pt x="592" y="1184"/>
-                  </a:cubicBezTo>
-                  <a:cubicBezTo>
-                    <a:pt x="919" y="1184"/>
-                    <a:pt x="1184" y="919"/>
-                    <a:pt x="1184" y="592"/>
-                  </a:cubicBezTo>
-                  <a:cubicBezTo>
-                    <a:pt x="1184" y="265"/>
-                    <a:pt x="919" y="0"/>
-                    <a:pt x="592" y="0"/>
-                  </a:cubicBezTo>
-                  <a:close/>
-                  <a:moveTo>
-                    <a:pt x="941" y="941"/>
-                  </a:moveTo>
-                  <a:cubicBezTo>
-                    <a:pt x="896" y="986"/>
-                    <a:pt x="843" y="1022"/>
-                    <a:pt x="784" y="1047"/>
-                  </a:cubicBezTo>
-                  <a:cubicBezTo>
-                    <a:pt x="723" y="1072"/>
-                    <a:pt x="659" y="1085"/>
-                    <a:pt x="592" y="1085"/>
-                  </a:cubicBezTo>
-                  <a:cubicBezTo>
-                    <a:pt x="525" y="1085"/>
-                    <a:pt x="461" y="1072"/>
-                    <a:pt x="400" y="1047"/>
-                  </a:cubicBezTo>
-                  <a:cubicBezTo>
-                    <a:pt x="341" y="1022"/>
-                    <a:pt x="288" y="986"/>
-                    <a:pt x="243" y="941"/>
-                  </a:cubicBezTo>
-                  <a:cubicBezTo>
-                    <a:pt x="198" y="896"/>
-                    <a:pt x="162" y="843"/>
-                    <a:pt x="137" y="784"/>
-                  </a:cubicBezTo>
-                  <a:cubicBezTo>
-                    <a:pt x="112" y="723"/>
-                    <a:pt x="99" y="659"/>
-                    <a:pt x="99" y="592"/>
-                  </a:cubicBezTo>
-                  <a:cubicBezTo>
-                    <a:pt x="99" y="525"/>
-                    <a:pt x="112" y="461"/>
-                    <a:pt x="137" y="400"/>
-                  </a:cubicBezTo>
-                  <a:cubicBezTo>
-                    <a:pt x="162" y="341"/>
-                    <a:pt x="198" y="288"/>
-                    <a:pt x="243" y="243"/>
-                  </a:cubicBezTo>
-                  <a:cubicBezTo>
-                    <a:pt x="288" y="198"/>
-                    <a:pt x="341" y="162"/>
-                    <a:pt x="400" y="137"/>
-                  </a:cubicBezTo>
-                  <a:cubicBezTo>
-                    <a:pt x="461" y="112"/>
-                    <a:pt x="525" y="99"/>
-                    <a:pt x="592" y="99"/>
-                  </a:cubicBezTo>
-                  <a:cubicBezTo>
-                    <a:pt x="659" y="99"/>
-                    <a:pt x="723" y="112"/>
-                    <a:pt x="784" y="137"/>
-                  </a:cubicBezTo>
-                  <a:cubicBezTo>
-                    <a:pt x="843" y="162"/>
-                    <a:pt x="896" y="198"/>
-                    <a:pt x="941" y="243"/>
-                  </a:cubicBezTo>
-                  <a:cubicBezTo>
-                    <a:pt x="986" y="288"/>
-                    <a:pt x="1022" y="341"/>
-                    <a:pt x="1047" y="400"/>
-                  </a:cubicBezTo>
-                  <a:cubicBezTo>
-                    <a:pt x="1072" y="461"/>
-                    <a:pt x="1085" y="525"/>
-                    <a:pt x="1085" y="592"/>
-                  </a:cubicBezTo>
-                  <a:cubicBezTo>
-                    <a:pt x="1085" y="659"/>
-                    <a:pt x="1072" y="723"/>
-                    <a:pt x="1047" y="784"/>
-                  </a:cubicBezTo>
-                  <a:cubicBezTo>
-                    <a:pt x="1022" y="843"/>
-                    <a:pt x="986" y="896"/>
-                    <a:pt x="941" y="941"/>
-                  </a:cubicBezTo>
-                  <a:close/>
-                </a:path>
-              </a:pathLst>
-            </a:custGeom>
-            <a:solidFill>
-              <a:srgbClr val="49889B"/>
-            </a:solidFill>
-            <a:ln w="9525">
-              <a:noFill/>
-              <a:round/>
-              <a:headEnd/>
-              <a:tailEnd/>
-            </a:ln>
-          </p:spPr>
-          <p:txBody>
-            <a:bodyPr vert="horz" wrap="square" lIns="91440" tIns="45720" rIns="91440" bIns="45720" numCol="1" anchor="t" anchorCtr="0" compatLnSpc="1">
-              <a:prstTxWarp prst="textNoShape">
-                <a:avLst/>
-              </a:prstTxWarp>
-            </a:bodyPr>
-            <a:lstStyle/>
-            <a:p>
-              <a:pPr marL="0" marR="0" lvl="0" indent="0" algn="l" defTabSz="914400" rtl="0" eaLnBrk="1" fontAlgn="auto" latinLnBrk="0" hangingPunct="1">
-                <a:lnSpc>
-                  <a:spcPct val="100000"/>
-                </a:lnSpc>
-                <a:spcBef>
-                  <a:spcPts val="0"/>
-                </a:spcBef>
-                <a:spcAft>
-                  <a:spcPts val="0"/>
-                </a:spcAft>
-                <a:buClrTx/>
-                <a:buSzTx/>
-                <a:buFontTx/>
-                <a:buNone/>
-                <a:tabLst/>
-                <a:defRPr/>
-              </a:pPr>
-              <a:endParaRPr kumimoji="0" lang="zh-CN" altLang="en-US" sz="1800" b="0" i="0" u="none" strike="noStrike" kern="1200" cap="none" spc="0" normalizeH="0" baseline="0" noProof="0">
-                <a:ln>
-                  <a:noFill/>
-                </a:ln>
-                <a:solidFill>
-                  <a:prstClr val="black"/>
-                </a:solidFill>
-                <a:effectLst/>
-                <a:uLnTx/>
-                <a:uFillTx/>
-                <a:latin typeface="Calibri"/>
-                <a:ea typeface="宋体" panose="02010600030101010101" pitchFamily="2" charset="-122"/>
-                <a:cs typeface="+mn-cs"/>
-              </a:endParaRPr>
-            </a:p>
-          </p:txBody>
-        </p:sp>
-      </p:grpSp>
-      <p:pic>
-        <p:nvPicPr>
-          <p:cNvPr id="11" name="图形 10" descr="计算机">
-            <a:extLst>
-              <a:ext uri="{FF2B5EF4-FFF2-40B4-BE49-F238E27FC236}">
-                <a16:creationId xmlns:a16="http://schemas.microsoft.com/office/drawing/2014/main" id="{4E665D26-7F19-C842-0AE6-4FB04BA7D0E0}"/>
+                <a16:creationId xmlns:a16="http://schemas.microsoft.com/office/drawing/2014/main" id="{55F3174D-AD2C-D502-91D2-97C102BBEE2C}"/>
               </a:ext>
             </a:extLst>
           </p:cNvPr>
@@ -15368,24 +17164,15 @@
           <p:nvPr/>
         </p:nvPicPr>
         <p:blipFill>
-          <a:blip r:embed="rId3">
-            <a:extLst>
-              <a:ext uri="{28A0092B-C50C-407E-A947-70E740481C1C}">
-                <a14:useLocalDpi xmlns:a14="http://schemas.microsoft.com/office/drawing/2010/main" val="0"/>
-              </a:ext>
-              <a:ext uri="{96DAC541-7B7A-43D3-8B79-37D633B846F1}">
-                <asvg:svgBlip xmlns:asvg="http://schemas.microsoft.com/office/drawing/2016/SVG/main" r:embed="rId4"/>
-              </a:ext>
-            </a:extLst>
-          </a:blip>
+          <a:blip r:embed="rId2"/>
           <a:stretch>
             <a:fillRect/>
           </a:stretch>
         </p:blipFill>
         <p:spPr>
           <a:xfrm>
-            <a:off x="1310317" y="2402419"/>
-            <a:ext cx="1311061" cy="1311061"/>
+            <a:off x="1423447" y="412810"/>
+            <a:ext cx="9483365" cy="5729145"/>
           </a:xfrm>
           <a:prstGeom prst="rect">
             <a:avLst/>
@@ -15395,7 +17182,7 @@
     </p:spTree>
     <p:extLst>
       <p:ext uri="{BB962C8B-B14F-4D97-AF65-F5344CB8AC3E}">
-        <p14:creationId xmlns:p14="http://schemas.microsoft.com/office/powerpoint/2010/main" val="427066861"/>
+        <p14:creationId xmlns:p14="http://schemas.microsoft.com/office/powerpoint/2010/main" val="551349768"/>
       </p:ext>
     </p:extLst>
   </p:cSld>
@@ -15414,177 +17201,6 @@
       </p:transition>
     </mc:Fallback>
   </mc:AlternateContent>
-  <p:timing>
-    <p:tnLst>
-      <p:par>
-        <p:cTn id="1" dur="indefinite" restart="never" nodeType="tmRoot">
-          <p:childTnLst>
-            <p:seq concurrent="1" nextAc="seek">
-              <p:cTn id="2" dur="indefinite" nodeType="mainSeq">
-                <p:childTnLst>
-                  <p:par>
-                    <p:cTn id="3" fill="hold">
-                      <p:stCondLst>
-                        <p:cond delay="indefinite"/>
-                        <p:cond evt="onBegin" delay="0">
-                          <p:tn val="2"/>
-                        </p:cond>
-                      </p:stCondLst>
-                      <p:childTnLst>
-                        <p:par>
-                          <p:cTn id="4" fill="hold">
-                            <p:stCondLst>
-                              <p:cond delay="0"/>
-                            </p:stCondLst>
-                            <p:childTnLst>
-                              <p:par>
-                                <p:cTn id="5" presetID="9" presetClass="entr" presetSubtype="0" fill="hold" grpId="0" nodeType="afterEffect">
-                                  <p:stCondLst>
-                                    <p:cond delay="0"/>
-                                  </p:stCondLst>
-                                  <p:childTnLst>
-                                    <p:set>
-                                      <p:cBhvr>
-                                        <p:cTn id="6" dur="1" fill="hold">
-                                          <p:stCondLst>
-                                            <p:cond delay="0"/>
-                                          </p:stCondLst>
-                                        </p:cTn>
-                                        <p:tgtEl>
-                                          <p:spTgt spid="42"/>
-                                        </p:tgtEl>
-                                        <p:attrNameLst>
-                                          <p:attrName>style.visibility</p:attrName>
-                                        </p:attrNameLst>
-                                      </p:cBhvr>
-                                      <p:to>
-                                        <p:strVal val="visible"/>
-                                      </p:to>
-                                    </p:set>
-                                    <p:animEffect transition="in" filter="dissolve">
-                                      <p:cBhvr>
-                                        <p:cTn id="7" dur="500"/>
-                                        <p:tgtEl>
-                                          <p:spTgt spid="42"/>
-                                        </p:tgtEl>
-                                      </p:cBhvr>
-                                    </p:animEffect>
-                                  </p:childTnLst>
-                                </p:cTn>
-                              </p:par>
-                            </p:childTnLst>
-                          </p:cTn>
-                        </p:par>
-                        <p:par>
-                          <p:cTn id="8" fill="hold">
-                            <p:stCondLst>
-                              <p:cond delay="500"/>
-                            </p:stCondLst>
-                            <p:childTnLst>
-                              <p:par>
-                                <p:cTn id="9" presetID="2" presetClass="entr" presetSubtype="8" fill="hold" nodeType="afterEffect">
-                                  <p:stCondLst>
-                                    <p:cond delay="0"/>
-                                  </p:stCondLst>
-                                  <p:childTnLst>
-                                    <p:set>
-                                      <p:cBhvr>
-                                        <p:cTn id="10" dur="1" fill="hold">
-                                          <p:stCondLst>
-                                            <p:cond delay="0"/>
-                                          </p:stCondLst>
-                                        </p:cTn>
-                                        <p:tgtEl>
-                                          <p:spTgt spid="7"/>
-                                        </p:tgtEl>
-                                        <p:attrNameLst>
-                                          <p:attrName>style.visibility</p:attrName>
-                                        </p:attrNameLst>
-                                      </p:cBhvr>
-                                      <p:to>
-                                        <p:strVal val="visible"/>
-                                      </p:to>
-                                    </p:set>
-                                    <p:anim calcmode="lin" valueType="num">
-                                      <p:cBhvr additive="base">
-                                        <p:cTn id="11" dur="500" fill="hold"/>
-                                        <p:tgtEl>
-                                          <p:spTgt spid="7"/>
-                                        </p:tgtEl>
-                                        <p:attrNameLst>
-                                          <p:attrName>ppt_x</p:attrName>
-                                        </p:attrNameLst>
-                                      </p:cBhvr>
-                                      <p:tavLst>
-                                        <p:tav tm="0">
-                                          <p:val>
-                                            <p:strVal val="0-#ppt_w/2"/>
-                                          </p:val>
-                                        </p:tav>
-                                        <p:tav tm="100000">
-                                          <p:val>
-                                            <p:strVal val="#ppt_x"/>
-                                          </p:val>
-                                        </p:tav>
-                                      </p:tavLst>
-                                    </p:anim>
-                                    <p:anim calcmode="lin" valueType="num">
-                                      <p:cBhvr additive="base">
-                                        <p:cTn id="12" dur="500" fill="hold"/>
-                                        <p:tgtEl>
-                                          <p:spTgt spid="7"/>
-                                        </p:tgtEl>
-                                        <p:attrNameLst>
-                                          <p:attrName>ppt_y</p:attrName>
-                                        </p:attrNameLst>
-                                      </p:cBhvr>
-                                      <p:tavLst>
-                                        <p:tav tm="0">
-                                          <p:val>
-                                            <p:strVal val="#ppt_y"/>
-                                          </p:val>
-                                        </p:tav>
-                                        <p:tav tm="100000">
-                                          <p:val>
-                                            <p:strVal val="#ppt_y"/>
-                                          </p:val>
-                                        </p:tav>
-                                      </p:tavLst>
-                                    </p:anim>
-                                  </p:childTnLst>
-                                </p:cTn>
-                              </p:par>
-                            </p:childTnLst>
-                          </p:cTn>
-                        </p:par>
-                      </p:childTnLst>
-                    </p:cTn>
-                  </p:par>
-                </p:childTnLst>
-              </p:cTn>
-              <p:prevCondLst>
-                <p:cond evt="onPrev" delay="0">
-                  <p:tgtEl>
-                    <p:sldTgt/>
-                  </p:tgtEl>
-                </p:cond>
-              </p:prevCondLst>
-              <p:nextCondLst>
-                <p:cond evt="onNext" delay="0">
-                  <p:tgtEl>
-                    <p:sldTgt/>
-                  </p:tgtEl>
-                </p:cond>
-              </p:nextCondLst>
-            </p:seq>
-          </p:childTnLst>
-        </p:cTn>
-      </p:par>
-    </p:tnLst>
-    <p:bldLst>
-      <p:bldP spid="42" grpId="0"/>
-    </p:bldLst>
-  </p:timing>
 </p:sld>
 </file>
 
@@ -15610,7 +17226,7 @@
           <p:cNvPr id="3" name="图片 2">
             <a:extLst>
               <a:ext uri="{FF2B5EF4-FFF2-40B4-BE49-F238E27FC236}">
-                <a16:creationId xmlns:a16="http://schemas.microsoft.com/office/drawing/2014/main" id="{F6AC5984-8901-BEF8-8AB3-70C97EA0F74D}"/>
+                <a16:creationId xmlns:a16="http://schemas.microsoft.com/office/drawing/2014/main" id="{4F2275F0-F4EB-9C72-B413-49A0F43B4F58}"/>
               </a:ext>
             </a:extLst>
           </p:cNvPr>
@@ -15627,38 +17243,8 @@
         </p:blipFill>
         <p:spPr>
           <a:xfrm>
-            <a:off x="2681856" y="688157"/>
-            <a:ext cx="3700089" cy="5537253"/>
-          </a:xfrm>
-          <a:prstGeom prst="rect">
-            <a:avLst/>
-          </a:prstGeom>
-        </p:spPr>
-      </p:pic>
-      <p:pic>
-        <p:nvPicPr>
-          <p:cNvPr id="5" name="图片 4">
-            <a:extLst>
-              <a:ext uri="{FF2B5EF4-FFF2-40B4-BE49-F238E27FC236}">
-                <a16:creationId xmlns:a16="http://schemas.microsoft.com/office/drawing/2014/main" id="{E91A98C3-F556-F232-E5BF-4E33D4B93268}"/>
-              </a:ext>
-            </a:extLst>
-          </p:cNvPr>
-          <p:cNvPicPr>
-            <a:picLocks noChangeAspect="1"/>
-          </p:cNvPicPr>
-          <p:nvPr/>
-        </p:nvPicPr>
-        <p:blipFill>
-          <a:blip r:embed="rId3"/>
-          <a:stretch>
-            <a:fillRect/>
-          </a:stretch>
-        </p:blipFill>
-        <p:spPr>
-          <a:xfrm>
-            <a:off x="6616597" y="1762812"/>
-            <a:ext cx="2529418" cy="2809187"/>
+            <a:off x="1121790" y="176448"/>
+            <a:ext cx="9756741" cy="6379767"/>
           </a:xfrm>
           <a:prstGeom prst="rect">
             <a:avLst/>
@@ -15668,7 +17254,7 @@
     </p:spTree>
     <p:extLst>
       <p:ext uri="{BB962C8B-B14F-4D97-AF65-F5344CB8AC3E}">
-        <p14:creationId xmlns:p14="http://schemas.microsoft.com/office/powerpoint/2010/main" val="3307750260"/>
+        <p14:creationId xmlns:p14="http://schemas.microsoft.com/office/powerpoint/2010/main" val="2655713954"/>
       </p:ext>
     </p:extLst>
   </p:cSld>
@@ -15707,1035 +17293,12 @@
           <a:chExt cx="0" cy="0"/>
         </a:xfrm>
       </p:grpSpPr>
-      <p:sp>
-        <p:nvSpPr>
-          <p:cNvPr id="42" name="矩形 41">
+      <p:pic>
+        <p:nvPicPr>
+          <p:cNvPr id="3" name="图片 2">
             <a:extLst>
               <a:ext uri="{FF2B5EF4-FFF2-40B4-BE49-F238E27FC236}">
-                <a16:creationId xmlns:a16="http://schemas.microsoft.com/office/drawing/2014/main" id="{704141B5-1126-40ED-B9A4-7CACFC74C7C8}"/>
-              </a:ext>
-            </a:extLst>
-          </p:cNvPr>
-          <p:cNvSpPr/>
-          <p:nvPr/>
-        </p:nvSpPr>
-        <p:spPr>
-          <a:xfrm>
-            <a:off x="3274541" y="2890468"/>
-            <a:ext cx="8192529" cy="769441"/>
-          </a:xfrm>
-          <a:prstGeom prst="rect">
-            <a:avLst/>
-          </a:prstGeom>
-        </p:spPr>
-        <p:txBody>
-          <a:bodyPr wrap="square">
-            <a:spAutoFit/>
-          </a:bodyPr>
-          <a:lstStyle/>
-          <a:p>
-            <a:pPr lvl="0" algn="ctr">
-              <a:defRPr/>
-            </a:pPr>
-            <a:r>
-              <a:rPr lang="zh-CN" altLang="en-US" sz="4400" b="1" kern="100" dirty="0">
-                <a:solidFill>
-                  <a:srgbClr val="49889B"/>
-                </a:solidFill>
-                <a:latin typeface="微软雅黑" panose="020B0503020204020204" pitchFamily="34" charset="-122"/>
-                <a:ea typeface="微软雅黑" panose="020B0503020204020204" pitchFamily="34" charset="-122"/>
-                <a:cs typeface="Times New Roman" panose="02020603050405020304" pitchFamily="18" charset="0"/>
-              </a:rPr>
-              <a:t>三、用户角度</a:t>
-            </a:r>
-          </a:p>
-        </p:txBody>
-      </p:sp>
-      <p:sp>
-        <p:nvSpPr>
-          <p:cNvPr id="8" name="Freeform 8">
-            <a:extLst>
-              <a:ext uri="{FF2B5EF4-FFF2-40B4-BE49-F238E27FC236}">
-                <a16:creationId xmlns:a16="http://schemas.microsoft.com/office/drawing/2014/main" id="{32D3C25A-773F-4A62-BDFB-84D09C99378C}"/>
-              </a:ext>
-            </a:extLst>
-          </p:cNvPr>
-          <p:cNvSpPr>
-            <a:spLocks noEditPoints="1"/>
-          </p:cNvSpPr>
-          <p:nvPr/>
-        </p:nvSpPr>
-        <p:spPr bwMode="auto">
-          <a:xfrm rot="2925393">
-            <a:off x="1703187" y="2913549"/>
-            <a:ext cx="433148" cy="742830"/>
-          </a:xfrm>
-          <a:custGeom>
-            <a:avLst/>
-            <a:gdLst>
-              <a:gd name="T0" fmla="*/ 24 w 112"/>
-              <a:gd name="T1" fmla="*/ 148 h 192"/>
-              <a:gd name="T2" fmla="*/ 28 w 112"/>
-              <a:gd name="T3" fmla="*/ 52 h 192"/>
-              <a:gd name="T4" fmla="*/ 32 w 112"/>
-              <a:gd name="T5" fmla="*/ 172 h 192"/>
-              <a:gd name="T6" fmla="*/ 8 w 112"/>
-              <a:gd name="T7" fmla="*/ 184 h 192"/>
-              <a:gd name="T8" fmla="*/ 32 w 112"/>
-              <a:gd name="T9" fmla="*/ 172 h 192"/>
-              <a:gd name="T10" fmla="*/ 8 w 112"/>
-              <a:gd name="T11" fmla="*/ 35 h 192"/>
-              <a:gd name="T12" fmla="*/ 32 w 112"/>
-              <a:gd name="T13" fmla="*/ 164 h 192"/>
-              <a:gd name="T14" fmla="*/ 32 w 112"/>
-              <a:gd name="T15" fmla="*/ 192 h 192"/>
-              <a:gd name="T16" fmla="*/ 0 w 112"/>
-              <a:gd name="T17" fmla="*/ 184 h 192"/>
-              <a:gd name="T18" fmla="*/ 0 w 112"/>
-              <a:gd name="T19" fmla="*/ 32 h 192"/>
-              <a:gd name="T20" fmla="*/ 20 w 112"/>
-              <a:gd name="T21" fmla="*/ 0 h 192"/>
-              <a:gd name="T22" fmla="*/ 39 w 112"/>
-              <a:gd name="T23" fmla="*/ 32 h 192"/>
-              <a:gd name="T24" fmla="*/ 40 w 112"/>
-              <a:gd name="T25" fmla="*/ 184 h 192"/>
-              <a:gd name="T26" fmla="*/ 108 w 112"/>
-              <a:gd name="T27" fmla="*/ 164 h 192"/>
-              <a:gd name="T28" fmla="*/ 84 w 112"/>
-              <a:gd name="T29" fmla="*/ 172 h 192"/>
-              <a:gd name="T30" fmla="*/ 108 w 112"/>
-              <a:gd name="T31" fmla="*/ 164 h 192"/>
-              <a:gd name="T32" fmla="*/ 92 w 112"/>
-              <a:gd name="T33" fmla="*/ 140 h 192"/>
-              <a:gd name="T34" fmla="*/ 108 w 112"/>
-              <a:gd name="T35" fmla="*/ 148 h 192"/>
-              <a:gd name="T36" fmla="*/ 108 w 112"/>
-              <a:gd name="T37" fmla="*/ 116 h 192"/>
-              <a:gd name="T38" fmla="*/ 84 w 112"/>
-              <a:gd name="T39" fmla="*/ 124 h 192"/>
-              <a:gd name="T40" fmla="*/ 108 w 112"/>
-              <a:gd name="T41" fmla="*/ 116 h 192"/>
-              <a:gd name="T42" fmla="*/ 92 w 112"/>
-              <a:gd name="T43" fmla="*/ 92 h 192"/>
-              <a:gd name="T44" fmla="*/ 108 w 112"/>
-              <a:gd name="T45" fmla="*/ 100 h 192"/>
-              <a:gd name="T46" fmla="*/ 108 w 112"/>
-              <a:gd name="T47" fmla="*/ 68 h 192"/>
-              <a:gd name="T48" fmla="*/ 84 w 112"/>
-              <a:gd name="T49" fmla="*/ 76 h 192"/>
-              <a:gd name="T50" fmla="*/ 108 w 112"/>
-              <a:gd name="T51" fmla="*/ 68 h 192"/>
-              <a:gd name="T52" fmla="*/ 92 w 112"/>
-              <a:gd name="T53" fmla="*/ 44 h 192"/>
-              <a:gd name="T54" fmla="*/ 108 w 112"/>
-              <a:gd name="T55" fmla="*/ 52 h 192"/>
-              <a:gd name="T56" fmla="*/ 108 w 112"/>
-              <a:gd name="T57" fmla="*/ 20 h 192"/>
-              <a:gd name="T58" fmla="*/ 84 w 112"/>
-              <a:gd name="T59" fmla="*/ 28 h 192"/>
-              <a:gd name="T60" fmla="*/ 108 w 112"/>
-              <a:gd name="T61" fmla="*/ 20 h 192"/>
-              <a:gd name="T62" fmla="*/ 64 w 112"/>
-              <a:gd name="T63" fmla="*/ 192 h 192"/>
-              <a:gd name="T64" fmla="*/ 56 w 112"/>
-              <a:gd name="T65" fmla="*/ 8 h 192"/>
-              <a:gd name="T66" fmla="*/ 104 w 112"/>
-              <a:gd name="T67" fmla="*/ 0 h 192"/>
-              <a:gd name="T68" fmla="*/ 112 w 112"/>
-              <a:gd name="T69" fmla="*/ 184 h 192"/>
-            </a:gdLst>
-            <a:ahLst/>
-            <a:cxnLst>
-              <a:cxn ang="0">
-                <a:pos x="T0" y="T1"/>
-              </a:cxn>
-              <a:cxn ang="0">
-                <a:pos x="T2" y="T3"/>
-              </a:cxn>
-              <a:cxn ang="0">
-                <a:pos x="T4" y="T5"/>
-              </a:cxn>
-              <a:cxn ang="0">
-                <a:pos x="T6" y="T7"/>
-              </a:cxn>
-              <a:cxn ang="0">
-                <a:pos x="T8" y="T9"/>
-              </a:cxn>
-              <a:cxn ang="0">
-                <a:pos x="T10" y="T11"/>
-              </a:cxn>
-              <a:cxn ang="0">
-                <a:pos x="T12" y="T13"/>
-              </a:cxn>
-              <a:cxn ang="0">
-                <a:pos x="T14" y="T15"/>
-              </a:cxn>
-              <a:cxn ang="0">
-                <a:pos x="T16" y="T17"/>
-              </a:cxn>
-              <a:cxn ang="0">
-                <a:pos x="T18" y="T19"/>
-              </a:cxn>
-              <a:cxn ang="0">
-                <a:pos x="T20" y="T21"/>
-              </a:cxn>
-              <a:cxn ang="0">
-                <a:pos x="T22" y="T23"/>
-              </a:cxn>
-              <a:cxn ang="0">
-                <a:pos x="T24" y="T25"/>
-              </a:cxn>
-              <a:cxn ang="0">
-                <a:pos x="T26" y="T27"/>
-              </a:cxn>
-              <a:cxn ang="0">
-                <a:pos x="T28" y="T29"/>
-              </a:cxn>
-              <a:cxn ang="0">
-                <a:pos x="T30" y="T31"/>
-              </a:cxn>
-              <a:cxn ang="0">
-                <a:pos x="T32" y="T33"/>
-              </a:cxn>
-              <a:cxn ang="0">
-                <a:pos x="T34" y="T35"/>
-              </a:cxn>
-              <a:cxn ang="0">
-                <a:pos x="T36" y="T37"/>
-              </a:cxn>
-              <a:cxn ang="0">
-                <a:pos x="T38" y="T39"/>
-              </a:cxn>
-              <a:cxn ang="0">
-                <a:pos x="T40" y="T41"/>
-              </a:cxn>
-              <a:cxn ang="0">
-                <a:pos x="T42" y="T43"/>
-              </a:cxn>
-              <a:cxn ang="0">
-                <a:pos x="T44" y="T45"/>
-              </a:cxn>
-              <a:cxn ang="0">
-                <a:pos x="T46" y="T47"/>
-              </a:cxn>
-              <a:cxn ang="0">
-                <a:pos x="T48" y="T49"/>
-              </a:cxn>
-              <a:cxn ang="0">
-                <a:pos x="T50" y="T51"/>
-              </a:cxn>
-              <a:cxn ang="0">
-                <a:pos x="T52" y="T53"/>
-              </a:cxn>
-              <a:cxn ang="0">
-                <a:pos x="T54" y="T55"/>
-              </a:cxn>
-              <a:cxn ang="0">
-                <a:pos x="T56" y="T57"/>
-              </a:cxn>
-              <a:cxn ang="0">
-                <a:pos x="T58" y="T59"/>
-              </a:cxn>
-              <a:cxn ang="0">
-                <a:pos x="T60" y="T61"/>
-              </a:cxn>
-              <a:cxn ang="0">
-                <a:pos x="T62" y="T63"/>
-              </a:cxn>
-              <a:cxn ang="0">
-                <a:pos x="T64" y="T65"/>
-              </a:cxn>
-              <a:cxn ang="0">
-                <a:pos x="T66" y="T67"/>
-              </a:cxn>
-              <a:cxn ang="0">
-                <a:pos x="T68" y="T69"/>
-              </a:cxn>
-            </a:cxnLst>
-            <a:rect l="0" t="0" r="r" b="b"/>
-            <a:pathLst>
-              <a:path w="112" h="192">
-                <a:moveTo>
-                  <a:pt x="28" y="148"/>
-                </a:moveTo>
-                <a:cubicBezTo>
-                  <a:pt x="24" y="148"/>
-                  <a:pt x="24" y="148"/>
-                  <a:pt x="24" y="148"/>
-                </a:cubicBezTo>
-                <a:cubicBezTo>
-                  <a:pt x="24" y="52"/>
-                  <a:pt x="24" y="52"/>
-                  <a:pt x="24" y="52"/>
-                </a:cubicBezTo>
-                <a:cubicBezTo>
-                  <a:pt x="28" y="52"/>
-                  <a:pt x="28" y="52"/>
-                  <a:pt x="28" y="52"/>
-                </a:cubicBezTo>
-                <a:lnTo>
-                  <a:pt x="28" y="148"/>
-                </a:lnTo>
-                <a:close/>
-                <a:moveTo>
-                  <a:pt x="32" y="172"/>
-                </a:moveTo>
-                <a:cubicBezTo>
-                  <a:pt x="8" y="172"/>
-                  <a:pt x="8" y="172"/>
-                  <a:pt x="8" y="172"/>
-                </a:cubicBezTo>
-                <a:cubicBezTo>
-                  <a:pt x="8" y="184"/>
-                  <a:pt x="8" y="184"/>
-                  <a:pt x="8" y="184"/>
-                </a:cubicBezTo>
-                <a:cubicBezTo>
-                  <a:pt x="32" y="184"/>
-                  <a:pt x="32" y="184"/>
-                  <a:pt x="32" y="184"/>
-                </a:cubicBezTo>
-                <a:lnTo>
-                  <a:pt x="32" y="172"/>
-                </a:lnTo>
-                <a:close/>
-                <a:moveTo>
-                  <a:pt x="32" y="35"/>
-                </a:moveTo>
-                <a:cubicBezTo>
-                  <a:pt x="8" y="35"/>
-                  <a:pt x="8" y="35"/>
-                  <a:pt x="8" y="35"/>
-                </a:cubicBezTo>
-                <a:cubicBezTo>
-                  <a:pt x="8" y="164"/>
-                  <a:pt x="8" y="164"/>
-                  <a:pt x="8" y="164"/>
-                </a:cubicBezTo>
-                <a:cubicBezTo>
-                  <a:pt x="32" y="164"/>
-                  <a:pt x="32" y="164"/>
-                  <a:pt x="32" y="164"/>
-                </a:cubicBezTo>
-                <a:lnTo>
-                  <a:pt x="32" y="35"/>
-                </a:lnTo>
-                <a:close/>
-                <a:moveTo>
-                  <a:pt x="32" y="192"/>
-                </a:moveTo>
-                <a:cubicBezTo>
-                  <a:pt x="8" y="192"/>
-                  <a:pt x="8" y="192"/>
-                  <a:pt x="8" y="192"/>
-                </a:cubicBezTo>
-                <a:cubicBezTo>
-                  <a:pt x="3" y="192"/>
-                  <a:pt x="0" y="188"/>
-                  <a:pt x="0" y="184"/>
-                </a:cubicBezTo>
-                <a:cubicBezTo>
-                  <a:pt x="0" y="35"/>
-                  <a:pt x="0" y="35"/>
-                  <a:pt x="0" y="35"/>
-                </a:cubicBezTo>
-                <a:cubicBezTo>
-                  <a:pt x="0" y="34"/>
-                  <a:pt x="0" y="33"/>
-                  <a:pt x="0" y="32"/>
-                </a:cubicBezTo>
-                <a:cubicBezTo>
-                  <a:pt x="12" y="4"/>
-                  <a:pt x="12" y="4"/>
-                  <a:pt x="12" y="4"/>
-                </a:cubicBezTo>
-                <a:cubicBezTo>
-                  <a:pt x="14" y="2"/>
-                  <a:pt x="16" y="0"/>
-                  <a:pt x="20" y="0"/>
-                </a:cubicBezTo>
-                <a:cubicBezTo>
-                  <a:pt x="23" y="0"/>
-                  <a:pt x="26" y="2"/>
-                  <a:pt x="27" y="4"/>
-                </a:cubicBezTo>
-                <a:cubicBezTo>
-                  <a:pt x="39" y="32"/>
-                  <a:pt x="39" y="32"/>
-                  <a:pt x="39" y="32"/>
-                </a:cubicBezTo>
-                <a:cubicBezTo>
-                  <a:pt x="39" y="33"/>
-                  <a:pt x="40" y="34"/>
-                  <a:pt x="40" y="35"/>
-                </a:cubicBezTo>
-                <a:cubicBezTo>
-                  <a:pt x="40" y="184"/>
-                  <a:pt x="40" y="184"/>
-                  <a:pt x="40" y="184"/>
-                </a:cubicBezTo>
-                <a:cubicBezTo>
-                  <a:pt x="40" y="188"/>
-                  <a:pt x="36" y="192"/>
-                  <a:pt x="32" y="192"/>
-                </a:cubicBezTo>
-                <a:close/>
-                <a:moveTo>
-                  <a:pt x="108" y="164"/>
-                </a:moveTo>
-                <a:cubicBezTo>
-                  <a:pt x="84" y="164"/>
-                  <a:pt x="84" y="164"/>
-                  <a:pt x="84" y="164"/>
-                </a:cubicBezTo>
-                <a:cubicBezTo>
-                  <a:pt x="84" y="172"/>
-                  <a:pt x="84" y="172"/>
-                  <a:pt x="84" y="172"/>
-                </a:cubicBezTo>
-                <a:cubicBezTo>
-                  <a:pt x="108" y="172"/>
-                  <a:pt x="108" y="172"/>
-                  <a:pt x="108" y="172"/>
-                </a:cubicBezTo>
-                <a:lnTo>
-                  <a:pt x="108" y="164"/>
-                </a:lnTo>
-                <a:close/>
-                <a:moveTo>
-                  <a:pt x="108" y="140"/>
-                </a:moveTo>
-                <a:cubicBezTo>
-                  <a:pt x="92" y="140"/>
-                  <a:pt x="92" y="140"/>
-                  <a:pt x="92" y="140"/>
-                </a:cubicBezTo>
-                <a:cubicBezTo>
-                  <a:pt x="92" y="148"/>
-                  <a:pt x="92" y="148"/>
-                  <a:pt x="92" y="148"/>
-                </a:cubicBezTo>
-                <a:cubicBezTo>
-                  <a:pt x="108" y="148"/>
-                  <a:pt x="108" y="148"/>
-                  <a:pt x="108" y="148"/>
-                </a:cubicBezTo>
-                <a:lnTo>
-                  <a:pt x="108" y="140"/>
-                </a:lnTo>
-                <a:close/>
-                <a:moveTo>
-                  <a:pt x="108" y="116"/>
-                </a:moveTo>
-                <a:cubicBezTo>
-                  <a:pt x="84" y="116"/>
-                  <a:pt x="84" y="116"/>
-                  <a:pt x="84" y="116"/>
-                </a:cubicBezTo>
-                <a:cubicBezTo>
-                  <a:pt x="84" y="124"/>
-                  <a:pt x="84" y="124"/>
-                  <a:pt x="84" y="124"/>
-                </a:cubicBezTo>
-                <a:cubicBezTo>
-                  <a:pt x="108" y="124"/>
-                  <a:pt x="108" y="124"/>
-                  <a:pt x="108" y="124"/>
-                </a:cubicBezTo>
-                <a:lnTo>
-                  <a:pt x="108" y="116"/>
-                </a:lnTo>
-                <a:close/>
-                <a:moveTo>
-                  <a:pt x="108" y="92"/>
-                </a:moveTo>
-                <a:cubicBezTo>
-                  <a:pt x="92" y="92"/>
-                  <a:pt x="92" y="92"/>
-                  <a:pt x="92" y="92"/>
-                </a:cubicBezTo>
-                <a:cubicBezTo>
-                  <a:pt x="92" y="100"/>
-                  <a:pt x="92" y="100"/>
-                  <a:pt x="92" y="100"/>
-                </a:cubicBezTo>
-                <a:cubicBezTo>
-                  <a:pt x="108" y="100"/>
-                  <a:pt x="108" y="100"/>
-                  <a:pt x="108" y="100"/>
-                </a:cubicBezTo>
-                <a:lnTo>
-                  <a:pt x="108" y="92"/>
-                </a:lnTo>
-                <a:close/>
-                <a:moveTo>
-                  <a:pt x="108" y="68"/>
-                </a:moveTo>
-                <a:cubicBezTo>
-                  <a:pt x="84" y="68"/>
-                  <a:pt x="84" y="68"/>
-                  <a:pt x="84" y="68"/>
-                </a:cubicBezTo>
-                <a:cubicBezTo>
-                  <a:pt x="84" y="76"/>
-                  <a:pt x="84" y="76"/>
-                  <a:pt x="84" y="76"/>
-                </a:cubicBezTo>
-                <a:cubicBezTo>
-                  <a:pt x="108" y="76"/>
-                  <a:pt x="108" y="76"/>
-                  <a:pt x="108" y="76"/>
-                </a:cubicBezTo>
-                <a:lnTo>
-                  <a:pt x="108" y="68"/>
-                </a:lnTo>
-                <a:close/>
-                <a:moveTo>
-                  <a:pt x="108" y="44"/>
-                </a:moveTo>
-                <a:cubicBezTo>
-                  <a:pt x="92" y="44"/>
-                  <a:pt x="92" y="44"/>
-                  <a:pt x="92" y="44"/>
-                </a:cubicBezTo>
-                <a:cubicBezTo>
-                  <a:pt x="92" y="52"/>
-                  <a:pt x="92" y="52"/>
-                  <a:pt x="92" y="52"/>
-                </a:cubicBezTo>
-                <a:cubicBezTo>
-                  <a:pt x="108" y="52"/>
-                  <a:pt x="108" y="52"/>
-                  <a:pt x="108" y="52"/>
-                </a:cubicBezTo>
-                <a:lnTo>
-                  <a:pt x="108" y="44"/>
-                </a:lnTo>
-                <a:close/>
-                <a:moveTo>
-                  <a:pt x="108" y="20"/>
-                </a:moveTo>
-                <a:cubicBezTo>
-                  <a:pt x="84" y="20"/>
-                  <a:pt x="84" y="20"/>
-                  <a:pt x="84" y="20"/>
-                </a:cubicBezTo>
-                <a:cubicBezTo>
-                  <a:pt x="84" y="28"/>
-                  <a:pt x="84" y="28"/>
-                  <a:pt x="84" y="28"/>
-                </a:cubicBezTo>
-                <a:cubicBezTo>
-                  <a:pt x="108" y="28"/>
-                  <a:pt x="108" y="28"/>
-                  <a:pt x="108" y="28"/>
-                </a:cubicBezTo>
-                <a:lnTo>
-                  <a:pt x="108" y="20"/>
-                </a:lnTo>
-                <a:close/>
-                <a:moveTo>
-                  <a:pt x="104" y="192"/>
-                </a:moveTo>
-                <a:cubicBezTo>
-                  <a:pt x="64" y="192"/>
-                  <a:pt x="64" y="192"/>
-                  <a:pt x="64" y="192"/>
-                </a:cubicBezTo>
-                <a:cubicBezTo>
-                  <a:pt x="59" y="192"/>
-                  <a:pt x="56" y="188"/>
-                  <a:pt x="56" y="184"/>
-                </a:cubicBezTo>
-                <a:cubicBezTo>
-                  <a:pt x="56" y="8"/>
-                  <a:pt x="56" y="8"/>
-                  <a:pt x="56" y="8"/>
-                </a:cubicBezTo>
-                <a:cubicBezTo>
-                  <a:pt x="56" y="3"/>
-                  <a:pt x="59" y="0"/>
-                  <a:pt x="64" y="0"/>
-                </a:cubicBezTo>
-                <a:cubicBezTo>
-                  <a:pt x="104" y="0"/>
-                  <a:pt x="104" y="0"/>
-                  <a:pt x="104" y="0"/>
-                </a:cubicBezTo>
-                <a:cubicBezTo>
-                  <a:pt x="108" y="0"/>
-                  <a:pt x="112" y="3"/>
-                  <a:pt x="112" y="8"/>
-                </a:cubicBezTo>
-                <a:cubicBezTo>
-                  <a:pt x="112" y="184"/>
-                  <a:pt x="112" y="184"/>
-                  <a:pt x="112" y="184"/>
-                </a:cubicBezTo>
-                <a:cubicBezTo>
-                  <a:pt x="112" y="188"/>
-                  <a:pt x="108" y="192"/>
-                  <a:pt x="104" y="192"/>
-                </a:cubicBezTo>
-                <a:close/>
-              </a:path>
-            </a:pathLst>
-          </a:custGeom>
-          <a:solidFill>
-            <a:schemeClr val="bg1"/>
-          </a:solidFill>
-          <a:ln>
-            <a:noFill/>
-          </a:ln>
-        </p:spPr>
-        <p:txBody>
-          <a:bodyPr vert="horz" wrap="square" lIns="91440" tIns="45720" rIns="91440" bIns="45720" numCol="1" anchor="t" anchorCtr="0" compatLnSpc="1">
-            <a:prstTxWarp prst="textNoShape">
-              <a:avLst/>
-            </a:prstTxWarp>
-          </a:bodyPr>
-          <a:lstStyle/>
-          <a:p>
-            <a:pPr marL="0" marR="0" lvl="0" indent="0" algn="l" defTabSz="914400" rtl="0" eaLnBrk="1" fontAlgn="auto" latinLnBrk="0" hangingPunct="1">
-              <a:lnSpc>
-                <a:spcPct val="100000"/>
-              </a:lnSpc>
-              <a:spcBef>
-                <a:spcPts val="0"/>
-              </a:spcBef>
-              <a:spcAft>
-                <a:spcPts val="0"/>
-              </a:spcAft>
-              <a:buClrTx/>
-              <a:buSzTx/>
-              <a:buFontTx/>
-              <a:buNone/>
-              <a:tabLst/>
-              <a:defRPr/>
-            </a:pPr>
-            <a:endParaRPr kumimoji="0" lang="zh-CN" altLang="en-US" sz="1800" b="0" i="0" u="none" strike="noStrike" kern="1200" cap="none" spc="0" normalizeH="0" baseline="0" noProof="0">
-              <a:ln>
-                <a:noFill/>
-              </a:ln>
-              <a:solidFill>
-                <a:prstClr val="black"/>
-              </a:solidFill>
-              <a:effectLst/>
-              <a:uLnTx/>
-              <a:uFillTx/>
-              <a:latin typeface="Calibri"/>
-              <a:ea typeface="宋体" panose="02010600030101010101" pitchFamily="2" charset="-122"/>
-              <a:cs typeface="+mn-cs"/>
-            </a:endParaRPr>
-          </a:p>
-        </p:txBody>
-      </p:sp>
-      <p:grpSp>
-        <p:nvGrpSpPr>
-          <p:cNvPr id="7" name="组合 6">
-            <a:extLst>
-              <a:ext uri="{FF2B5EF4-FFF2-40B4-BE49-F238E27FC236}">
-                <a16:creationId xmlns:a16="http://schemas.microsoft.com/office/drawing/2014/main" id="{516FF050-1F2C-562C-0626-844E2D23B596}"/>
-              </a:ext>
-            </a:extLst>
-          </p:cNvPr>
-          <p:cNvGrpSpPr/>
-          <p:nvPr/>
-        </p:nvGrpSpPr>
-        <p:grpSpPr>
-          <a:xfrm>
-            <a:off x="1371507" y="2526142"/>
-            <a:ext cx="1335265" cy="1339127"/>
-            <a:chOff x="4584701" y="522287"/>
-            <a:chExt cx="2744788" cy="2752726"/>
-          </a:xfrm>
-          <a:solidFill>
-            <a:srgbClr val="202A36"/>
-          </a:solidFill>
-        </p:grpSpPr>
-        <p:sp>
-          <p:nvSpPr>
-            <p:cNvPr id="9" name="Oval 5">
-              <a:extLst>
-                <a:ext uri="{FF2B5EF4-FFF2-40B4-BE49-F238E27FC236}">
-                  <a16:creationId xmlns:a16="http://schemas.microsoft.com/office/drawing/2014/main" id="{17594778-D6CD-2689-C20B-AD14C7EF3EC0}"/>
-                </a:ext>
-              </a:extLst>
-            </p:cNvPr>
-            <p:cNvSpPr>
-              <a:spLocks noChangeArrowheads="1"/>
-            </p:cNvSpPr>
-            <p:nvPr/>
-          </p:nvSpPr>
-          <p:spPr bwMode="auto">
-            <a:xfrm>
-              <a:off x="4837113" y="774700"/>
-              <a:ext cx="2238375" cy="2246313"/>
-            </a:xfrm>
-            <a:prstGeom prst="ellipse">
-              <a:avLst/>
-            </a:prstGeom>
-            <a:solidFill>
-              <a:srgbClr val="49889B"/>
-            </a:solidFill>
-            <a:ln w="9525">
-              <a:noFill/>
-              <a:round/>
-              <a:headEnd/>
-              <a:tailEnd/>
-            </a:ln>
-          </p:spPr>
-          <p:txBody>
-            <a:bodyPr vert="horz" wrap="square" lIns="91440" tIns="45720" rIns="91440" bIns="45720" numCol="1" anchor="t" anchorCtr="0" compatLnSpc="1">
-              <a:prstTxWarp prst="textNoShape">
-                <a:avLst/>
-              </a:prstTxWarp>
-            </a:bodyPr>
-            <a:lstStyle/>
-            <a:p>
-              <a:pPr marL="0" marR="0" lvl="0" indent="0" algn="l" defTabSz="914400" rtl="0" eaLnBrk="1" fontAlgn="auto" latinLnBrk="0" hangingPunct="1">
-                <a:lnSpc>
-                  <a:spcPct val="100000"/>
-                </a:lnSpc>
-                <a:spcBef>
-                  <a:spcPts val="0"/>
-                </a:spcBef>
-                <a:spcAft>
-                  <a:spcPts val="0"/>
-                </a:spcAft>
-                <a:buClrTx/>
-                <a:buSzTx/>
-                <a:buFontTx/>
-                <a:buNone/>
-                <a:tabLst/>
-                <a:defRPr/>
-              </a:pPr>
-              <a:endParaRPr kumimoji="0" lang="zh-CN" altLang="en-US" sz="1800" b="0" i="0" u="none" strike="noStrike" kern="1200" cap="none" spc="0" normalizeH="0" baseline="0" noProof="0">
-                <a:ln>
-                  <a:noFill/>
-                </a:ln>
-                <a:solidFill>
-                  <a:prstClr val="black"/>
-                </a:solidFill>
-                <a:effectLst/>
-                <a:uLnTx/>
-                <a:uFillTx/>
-                <a:latin typeface="Calibri"/>
-                <a:ea typeface="宋体" panose="02010600030101010101" pitchFamily="2" charset="-122"/>
-                <a:cs typeface="+mn-cs"/>
-              </a:endParaRPr>
-            </a:p>
-          </p:txBody>
-        </p:sp>
-        <p:sp>
-          <p:nvSpPr>
-            <p:cNvPr id="10" name="Freeform 6">
-              <a:extLst>
-                <a:ext uri="{FF2B5EF4-FFF2-40B4-BE49-F238E27FC236}">
-                  <a16:creationId xmlns:a16="http://schemas.microsoft.com/office/drawing/2014/main" id="{E14F92BD-BCF2-F4BD-B366-E842DB655D45}"/>
-                </a:ext>
-              </a:extLst>
-            </p:cNvPr>
-            <p:cNvSpPr>
-              <a:spLocks noEditPoints="1"/>
-            </p:cNvSpPr>
-            <p:nvPr/>
-          </p:nvSpPr>
-          <p:spPr bwMode="auto">
-            <a:xfrm>
-              <a:off x="4584701" y="522287"/>
-              <a:ext cx="2744788" cy="2752726"/>
-            </a:xfrm>
-            <a:custGeom>
-              <a:avLst/>
-              <a:gdLst>
-                <a:gd name="T0" fmla="*/ 592 w 1184"/>
-                <a:gd name="T1" fmla="*/ 0 h 1184"/>
-                <a:gd name="T2" fmla="*/ 0 w 1184"/>
-                <a:gd name="T3" fmla="*/ 592 h 1184"/>
-                <a:gd name="T4" fmla="*/ 592 w 1184"/>
-                <a:gd name="T5" fmla="*/ 1184 h 1184"/>
-                <a:gd name="T6" fmla="*/ 1184 w 1184"/>
-                <a:gd name="T7" fmla="*/ 592 h 1184"/>
-                <a:gd name="T8" fmla="*/ 592 w 1184"/>
-                <a:gd name="T9" fmla="*/ 0 h 1184"/>
-                <a:gd name="T10" fmla="*/ 941 w 1184"/>
-                <a:gd name="T11" fmla="*/ 941 h 1184"/>
-                <a:gd name="T12" fmla="*/ 784 w 1184"/>
-                <a:gd name="T13" fmla="*/ 1047 h 1184"/>
-                <a:gd name="T14" fmla="*/ 592 w 1184"/>
-                <a:gd name="T15" fmla="*/ 1085 h 1184"/>
-                <a:gd name="T16" fmla="*/ 400 w 1184"/>
-                <a:gd name="T17" fmla="*/ 1047 h 1184"/>
-                <a:gd name="T18" fmla="*/ 243 w 1184"/>
-                <a:gd name="T19" fmla="*/ 941 h 1184"/>
-                <a:gd name="T20" fmla="*/ 137 w 1184"/>
-                <a:gd name="T21" fmla="*/ 784 h 1184"/>
-                <a:gd name="T22" fmla="*/ 99 w 1184"/>
-                <a:gd name="T23" fmla="*/ 592 h 1184"/>
-                <a:gd name="T24" fmla="*/ 137 w 1184"/>
-                <a:gd name="T25" fmla="*/ 400 h 1184"/>
-                <a:gd name="T26" fmla="*/ 243 w 1184"/>
-                <a:gd name="T27" fmla="*/ 243 h 1184"/>
-                <a:gd name="T28" fmla="*/ 400 w 1184"/>
-                <a:gd name="T29" fmla="*/ 137 h 1184"/>
-                <a:gd name="T30" fmla="*/ 592 w 1184"/>
-                <a:gd name="T31" fmla="*/ 99 h 1184"/>
-                <a:gd name="T32" fmla="*/ 784 w 1184"/>
-                <a:gd name="T33" fmla="*/ 137 h 1184"/>
-                <a:gd name="T34" fmla="*/ 941 w 1184"/>
-                <a:gd name="T35" fmla="*/ 243 h 1184"/>
-                <a:gd name="T36" fmla="*/ 1047 w 1184"/>
-                <a:gd name="T37" fmla="*/ 400 h 1184"/>
-                <a:gd name="T38" fmla="*/ 1085 w 1184"/>
-                <a:gd name="T39" fmla="*/ 592 h 1184"/>
-                <a:gd name="T40" fmla="*/ 1047 w 1184"/>
-                <a:gd name="T41" fmla="*/ 784 h 1184"/>
-                <a:gd name="T42" fmla="*/ 941 w 1184"/>
-                <a:gd name="T43" fmla="*/ 941 h 1184"/>
-              </a:gdLst>
-              <a:ahLst/>
-              <a:cxnLst>
-                <a:cxn ang="0">
-                  <a:pos x="T0" y="T1"/>
-                </a:cxn>
-                <a:cxn ang="0">
-                  <a:pos x="T2" y="T3"/>
-                </a:cxn>
-                <a:cxn ang="0">
-                  <a:pos x="T4" y="T5"/>
-                </a:cxn>
-                <a:cxn ang="0">
-                  <a:pos x="T6" y="T7"/>
-                </a:cxn>
-                <a:cxn ang="0">
-                  <a:pos x="T8" y="T9"/>
-                </a:cxn>
-                <a:cxn ang="0">
-                  <a:pos x="T10" y="T11"/>
-                </a:cxn>
-                <a:cxn ang="0">
-                  <a:pos x="T12" y="T13"/>
-                </a:cxn>
-                <a:cxn ang="0">
-                  <a:pos x="T14" y="T15"/>
-                </a:cxn>
-                <a:cxn ang="0">
-                  <a:pos x="T16" y="T17"/>
-                </a:cxn>
-                <a:cxn ang="0">
-                  <a:pos x="T18" y="T19"/>
-                </a:cxn>
-                <a:cxn ang="0">
-                  <a:pos x="T20" y="T21"/>
-                </a:cxn>
-                <a:cxn ang="0">
-                  <a:pos x="T22" y="T23"/>
-                </a:cxn>
-                <a:cxn ang="0">
-                  <a:pos x="T24" y="T25"/>
-                </a:cxn>
-                <a:cxn ang="0">
-                  <a:pos x="T26" y="T27"/>
-                </a:cxn>
-                <a:cxn ang="0">
-                  <a:pos x="T28" y="T29"/>
-                </a:cxn>
-                <a:cxn ang="0">
-                  <a:pos x="T30" y="T31"/>
-                </a:cxn>
-                <a:cxn ang="0">
-                  <a:pos x="T32" y="T33"/>
-                </a:cxn>
-                <a:cxn ang="0">
-                  <a:pos x="T34" y="T35"/>
-                </a:cxn>
-                <a:cxn ang="0">
-                  <a:pos x="T36" y="T37"/>
-                </a:cxn>
-                <a:cxn ang="0">
-                  <a:pos x="T38" y="T39"/>
-                </a:cxn>
-                <a:cxn ang="0">
-                  <a:pos x="T40" y="T41"/>
-                </a:cxn>
-                <a:cxn ang="0">
-                  <a:pos x="T42" y="T43"/>
-                </a:cxn>
-              </a:cxnLst>
-              <a:rect l="0" t="0" r="r" b="b"/>
-              <a:pathLst>
-                <a:path w="1184" h="1184">
-                  <a:moveTo>
-                    <a:pt x="592" y="0"/>
-                  </a:moveTo>
-                  <a:cubicBezTo>
-                    <a:pt x="265" y="0"/>
-                    <a:pt x="0" y="265"/>
-                    <a:pt x="0" y="592"/>
-                  </a:cubicBezTo>
-                  <a:cubicBezTo>
-                    <a:pt x="0" y="919"/>
-                    <a:pt x="265" y="1184"/>
-                    <a:pt x="592" y="1184"/>
-                  </a:cubicBezTo>
-                  <a:cubicBezTo>
-                    <a:pt x="919" y="1184"/>
-                    <a:pt x="1184" y="919"/>
-                    <a:pt x="1184" y="592"/>
-                  </a:cubicBezTo>
-                  <a:cubicBezTo>
-                    <a:pt x="1184" y="265"/>
-                    <a:pt x="919" y="0"/>
-                    <a:pt x="592" y="0"/>
-                  </a:cubicBezTo>
-                  <a:close/>
-                  <a:moveTo>
-                    <a:pt x="941" y="941"/>
-                  </a:moveTo>
-                  <a:cubicBezTo>
-                    <a:pt x="896" y="986"/>
-                    <a:pt x="843" y="1022"/>
-                    <a:pt x="784" y="1047"/>
-                  </a:cubicBezTo>
-                  <a:cubicBezTo>
-                    <a:pt x="723" y="1072"/>
-                    <a:pt x="659" y="1085"/>
-                    <a:pt x="592" y="1085"/>
-                  </a:cubicBezTo>
-                  <a:cubicBezTo>
-                    <a:pt x="525" y="1085"/>
-                    <a:pt x="461" y="1072"/>
-                    <a:pt x="400" y="1047"/>
-                  </a:cubicBezTo>
-                  <a:cubicBezTo>
-                    <a:pt x="341" y="1022"/>
-                    <a:pt x="288" y="986"/>
-                    <a:pt x="243" y="941"/>
-                  </a:cubicBezTo>
-                  <a:cubicBezTo>
-                    <a:pt x="198" y="896"/>
-                    <a:pt x="162" y="843"/>
-                    <a:pt x="137" y="784"/>
-                  </a:cubicBezTo>
-                  <a:cubicBezTo>
-                    <a:pt x="112" y="723"/>
-                    <a:pt x="99" y="659"/>
-                    <a:pt x="99" y="592"/>
-                  </a:cubicBezTo>
-                  <a:cubicBezTo>
-                    <a:pt x="99" y="525"/>
-                    <a:pt x="112" y="461"/>
-                    <a:pt x="137" y="400"/>
-                  </a:cubicBezTo>
-                  <a:cubicBezTo>
-                    <a:pt x="162" y="341"/>
-                    <a:pt x="198" y="288"/>
-                    <a:pt x="243" y="243"/>
-                  </a:cubicBezTo>
-                  <a:cubicBezTo>
-                    <a:pt x="288" y="198"/>
-                    <a:pt x="341" y="162"/>
-                    <a:pt x="400" y="137"/>
-                  </a:cubicBezTo>
-                  <a:cubicBezTo>
-                    <a:pt x="461" y="112"/>
-                    <a:pt x="525" y="99"/>
-                    <a:pt x="592" y="99"/>
-                  </a:cubicBezTo>
-                  <a:cubicBezTo>
-                    <a:pt x="659" y="99"/>
-                    <a:pt x="723" y="112"/>
-                    <a:pt x="784" y="137"/>
-                  </a:cubicBezTo>
-                  <a:cubicBezTo>
-                    <a:pt x="843" y="162"/>
-                    <a:pt x="896" y="198"/>
-                    <a:pt x="941" y="243"/>
-                  </a:cubicBezTo>
-                  <a:cubicBezTo>
-                    <a:pt x="986" y="288"/>
-                    <a:pt x="1022" y="341"/>
-                    <a:pt x="1047" y="400"/>
-                  </a:cubicBezTo>
-                  <a:cubicBezTo>
-                    <a:pt x="1072" y="461"/>
-                    <a:pt x="1085" y="525"/>
-                    <a:pt x="1085" y="592"/>
-                  </a:cubicBezTo>
-                  <a:cubicBezTo>
-                    <a:pt x="1085" y="659"/>
-                    <a:pt x="1072" y="723"/>
-                    <a:pt x="1047" y="784"/>
-                  </a:cubicBezTo>
-                  <a:cubicBezTo>
-                    <a:pt x="1022" y="843"/>
-                    <a:pt x="986" y="896"/>
-                    <a:pt x="941" y="941"/>
-                  </a:cubicBezTo>
-                  <a:close/>
-                </a:path>
-              </a:pathLst>
-            </a:custGeom>
-            <a:solidFill>
-              <a:srgbClr val="49889B"/>
-            </a:solidFill>
-            <a:ln w="9525">
-              <a:noFill/>
-              <a:round/>
-              <a:headEnd/>
-              <a:tailEnd/>
-            </a:ln>
-          </p:spPr>
-          <p:txBody>
-            <a:bodyPr vert="horz" wrap="square" lIns="91440" tIns="45720" rIns="91440" bIns="45720" numCol="1" anchor="t" anchorCtr="0" compatLnSpc="1">
-              <a:prstTxWarp prst="textNoShape">
-                <a:avLst/>
-              </a:prstTxWarp>
-            </a:bodyPr>
-            <a:lstStyle/>
-            <a:p>
-              <a:pPr marL="0" marR="0" lvl="0" indent="0" algn="l" defTabSz="914400" rtl="0" eaLnBrk="1" fontAlgn="auto" latinLnBrk="0" hangingPunct="1">
-                <a:lnSpc>
-                  <a:spcPct val="100000"/>
-                </a:lnSpc>
-                <a:spcBef>
-                  <a:spcPts val="0"/>
-                </a:spcBef>
-                <a:spcAft>
-                  <a:spcPts val="0"/>
-                </a:spcAft>
-                <a:buClrTx/>
-                <a:buSzTx/>
-                <a:buFontTx/>
-                <a:buNone/>
-                <a:tabLst/>
-                <a:defRPr/>
-              </a:pPr>
-              <a:endParaRPr kumimoji="0" lang="zh-CN" altLang="en-US" sz="1800" b="0" i="0" u="none" strike="noStrike" kern="1200" cap="none" spc="0" normalizeH="0" baseline="0" noProof="0">
-                <a:ln>
-                  <a:noFill/>
-                </a:ln>
-                <a:solidFill>
-                  <a:prstClr val="black"/>
-                </a:solidFill>
-                <a:effectLst/>
-                <a:uLnTx/>
-                <a:uFillTx/>
-                <a:latin typeface="Calibri"/>
-                <a:ea typeface="宋体" panose="02010600030101010101" pitchFamily="2" charset="-122"/>
-                <a:cs typeface="+mn-cs"/>
-              </a:endParaRPr>
-            </a:p>
-          </p:txBody>
-        </p:sp>
-      </p:grpSp>
-      <p:pic>
-        <p:nvPicPr>
-          <p:cNvPr id="11" name="图形 10" descr="男人">
-            <a:extLst>
-              <a:ext uri="{FF2B5EF4-FFF2-40B4-BE49-F238E27FC236}">
-                <a16:creationId xmlns:a16="http://schemas.microsoft.com/office/drawing/2014/main" id="{76C363D4-C747-6676-2A66-4AB614B4A17C}"/>
+                <a16:creationId xmlns:a16="http://schemas.microsoft.com/office/drawing/2014/main" id="{B92FEB9A-0FF6-3B9A-109C-218339602D63}"/>
               </a:ext>
             </a:extLst>
           </p:cNvPr>
@@ -16745,24 +17308,15 @@
           <p:nvPr/>
         </p:nvPicPr>
         <p:blipFill>
-          <a:blip r:embed="rId3">
-            <a:extLst>
-              <a:ext uri="{28A0092B-C50C-407E-A947-70E740481C1C}">
-                <a14:useLocalDpi xmlns:a14="http://schemas.microsoft.com/office/drawing/2010/main" val="0"/>
-              </a:ext>
-              <a:ext uri="{96DAC541-7B7A-43D3-8B79-37D633B846F1}">
-                <asvg:svgBlip xmlns:asvg="http://schemas.microsoft.com/office/drawing/2016/SVG/main" r:embed="rId4"/>
-              </a:ext>
-            </a:extLst>
-          </a:blip>
+          <a:blip r:embed="rId2"/>
           <a:stretch>
             <a:fillRect/>
           </a:stretch>
         </p:blipFill>
         <p:spPr>
           <a:xfrm>
-            <a:off x="1496242" y="2605703"/>
-            <a:ext cx="1086966" cy="1086966"/>
+            <a:off x="769591" y="970961"/>
+            <a:ext cx="10242004" cy="4572000"/>
           </a:xfrm>
           <a:prstGeom prst="rect">
             <a:avLst/>
@@ -16772,7 +17326,7 @@
     </p:spTree>
     <p:extLst>
       <p:ext uri="{BB962C8B-B14F-4D97-AF65-F5344CB8AC3E}">
-        <p14:creationId xmlns:p14="http://schemas.microsoft.com/office/powerpoint/2010/main" val="105017844"/>
+        <p14:creationId xmlns:p14="http://schemas.microsoft.com/office/powerpoint/2010/main" val="3168984991"/>
       </p:ext>
     </p:extLst>
   </p:cSld>
@@ -16791,268 +17345,6 @@
       </p:transition>
     </mc:Fallback>
   </mc:AlternateContent>
-  <p:timing>
-    <p:tnLst>
-      <p:par>
-        <p:cTn id="1" dur="indefinite" restart="never" nodeType="tmRoot">
-          <p:childTnLst>
-            <p:seq concurrent="1" nextAc="seek">
-              <p:cTn id="2" dur="indefinite" nodeType="mainSeq">
-                <p:childTnLst>
-                  <p:par>
-                    <p:cTn id="3" fill="hold">
-                      <p:stCondLst>
-                        <p:cond delay="indefinite"/>
-                        <p:cond evt="onBegin" delay="0">
-                          <p:tn val="2"/>
-                        </p:cond>
-                      </p:stCondLst>
-                      <p:childTnLst>
-                        <p:par>
-                          <p:cTn id="4" fill="hold">
-                            <p:stCondLst>
-                              <p:cond delay="0"/>
-                            </p:stCondLst>
-                            <p:childTnLst>
-                              <p:par>
-                                <p:cTn id="5" presetID="42" presetClass="entr" presetSubtype="0" fill="hold" grpId="0" nodeType="afterEffect">
-                                  <p:stCondLst>
-                                    <p:cond delay="0"/>
-                                  </p:stCondLst>
-                                  <p:childTnLst>
-                                    <p:set>
-                                      <p:cBhvr>
-                                        <p:cTn id="6" dur="1" fill="hold">
-                                          <p:stCondLst>
-                                            <p:cond delay="0"/>
-                                          </p:stCondLst>
-                                        </p:cTn>
-                                        <p:tgtEl>
-                                          <p:spTgt spid="8"/>
-                                        </p:tgtEl>
-                                        <p:attrNameLst>
-                                          <p:attrName>style.visibility</p:attrName>
-                                        </p:attrNameLst>
-                                      </p:cBhvr>
-                                      <p:to>
-                                        <p:strVal val="visible"/>
-                                      </p:to>
-                                    </p:set>
-                                    <p:animEffect transition="in" filter="fade">
-                                      <p:cBhvr>
-                                        <p:cTn id="7" dur="500"/>
-                                        <p:tgtEl>
-                                          <p:spTgt spid="8"/>
-                                        </p:tgtEl>
-                                      </p:cBhvr>
-                                    </p:animEffect>
-                                    <p:anim calcmode="lin" valueType="num">
-                                      <p:cBhvr>
-                                        <p:cTn id="8" dur="500" fill="hold"/>
-                                        <p:tgtEl>
-                                          <p:spTgt spid="8"/>
-                                        </p:tgtEl>
-                                        <p:attrNameLst>
-                                          <p:attrName>ppt_x</p:attrName>
-                                        </p:attrNameLst>
-                                      </p:cBhvr>
-                                      <p:tavLst>
-                                        <p:tav tm="0">
-                                          <p:val>
-                                            <p:strVal val="#ppt_x"/>
-                                          </p:val>
-                                        </p:tav>
-                                        <p:tav tm="100000">
-                                          <p:val>
-                                            <p:strVal val="#ppt_x"/>
-                                          </p:val>
-                                        </p:tav>
-                                      </p:tavLst>
-                                    </p:anim>
-                                    <p:anim calcmode="lin" valueType="num">
-                                      <p:cBhvr>
-                                        <p:cTn id="9" dur="500" fill="hold"/>
-                                        <p:tgtEl>
-                                          <p:spTgt spid="8"/>
-                                        </p:tgtEl>
-                                        <p:attrNameLst>
-                                          <p:attrName>ppt_y</p:attrName>
-                                        </p:attrNameLst>
-                                      </p:cBhvr>
-                                      <p:tavLst>
-                                        <p:tav tm="0">
-                                          <p:val>
-                                            <p:strVal val="#ppt_y+.1"/>
-                                          </p:val>
-                                        </p:tav>
-                                        <p:tav tm="100000">
-                                          <p:val>
-                                            <p:strVal val="#ppt_y"/>
-                                          </p:val>
-                                        </p:tav>
-                                      </p:tavLst>
-                                    </p:anim>
-                                  </p:childTnLst>
-                                </p:cTn>
-                              </p:par>
-                            </p:childTnLst>
-                          </p:cTn>
-                        </p:par>
-                        <p:par>
-                          <p:cTn id="10" fill="hold">
-                            <p:stCondLst>
-                              <p:cond delay="500"/>
-                            </p:stCondLst>
-                            <p:childTnLst>
-                              <p:par>
-                                <p:cTn id="11" presetID="9" presetClass="entr" presetSubtype="0" fill="hold" grpId="0" nodeType="afterEffect">
-                                  <p:stCondLst>
-                                    <p:cond delay="0"/>
-                                  </p:stCondLst>
-                                  <p:childTnLst>
-                                    <p:set>
-                                      <p:cBhvr>
-                                        <p:cTn id="12" dur="1" fill="hold">
-                                          <p:stCondLst>
-                                            <p:cond delay="0"/>
-                                          </p:stCondLst>
-                                        </p:cTn>
-                                        <p:tgtEl>
-                                          <p:spTgt spid="42"/>
-                                        </p:tgtEl>
-                                        <p:attrNameLst>
-                                          <p:attrName>style.visibility</p:attrName>
-                                        </p:attrNameLst>
-                                      </p:cBhvr>
-                                      <p:to>
-                                        <p:strVal val="visible"/>
-                                      </p:to>
-                                    </p:set>
-                                    <p:animEffect transition="in" filter="dissolve">
-                                      <p:cBhvr>
-                                        <p:cTn id="13" dur="500"/>
-                                        <p:tgtEl>
-                                          <p:spTgt spid="42"/>
-                                        </p:tgtEl>
-                                      </p:cBhvr>
-                                    </p:animEffect>
-                                  </p:childTnLst>
-                                </p:cTn>
-                              </p:par>
-                            </p:childTnLst>
-                          </p:cTn>
-                        </p:par>
-                        <p:par>
-                          <p:cTn id="14" fill="hold">
-                            <p:stCondLst>
-                              <p:cond delay="1000"/>
-                            </p:stCondLst>
-                            <p:childTnLst>
-                              <p:par>
-                                <p:cTn id="15" presetID="2" presetClass="entr" presetSubtype="8" fill="hold" nodeType="afterEffect">
-                                  <p:stCondLst>
-                                    <p:cond delay="0"/>
-                                  </p:stCondLst>
-                                  <p:childTnLst>
-                                    <p:set>
-                                      <p:cBhvr>
-                                        <p:cTn id="16" dur="1" fill="hold">
-                                          <p:stCondLst>
-                                            <p:cond delay="0"/>
-                                          </p:stCondLst>
-                                        </p:cTn>
-                                        <p:tgtEl>
-                                          <p:spTgt spid="7"/>
-                                        </p:tgtEl>
-                                        <p:attrNameLst>
-                                          <p:attrName>style.visibility</p:attrName>
-                                        </p:attrNameLst>
-                                      </p:cBhvr>
-                                      <p:to>
-                                        <p:strVal val="visible"/>
-                                      </p:to>
-                                    </p:set>
-                                    <p:anim calcmode="lin" valueType="num">
-                                      <p:cBhvr additive="base">
-                                        <p:cTn id="17" dur="500" fill="hold"/>
-                                        <p:tgtEl>
-                                          <p:spTgt spid="7"/>
-                                        </p:tgtEl>
-                                        <p:attrNameLst>
-                                          <p:attrName>ppt_x</p:attrName>
-                                        </p:attrNameLst>
-                                      </p:cBhvr>
-                                      <p:tavLst>
-                                        <p:tav tm="0">
-                                          <p:val>
-                                            <p:strVal val="0-#ppt_w/2"/>
-                                          </p:val>
-                                        </p:tav>
-                                        <p:tav tm="100000">
-                                          <p:val>
-                                            <p:strVal val="#ppt_x"/>
-                                          </p:val>
-                                        </p:tav>
-                                      </p:tavLst>
-                                    </p:anim>
-                                    <p:anim calcmode="lin" valueType="num">
-                                      <p:cBhvr additive="base">
-                                        <p:cTn id="18" dur="500" fill="hold"/>
-                                        <p:tgtEl>
-                                          <p:spTgt spid="7"/>
-                                        </p:tgtEl>
-                                        <p:attrNameLst>
-                                          <p:attrName>ppt_y</p:attrName>
-                                        </p:attrNameLst>
-                                      </p:cBhvr>
-                                      <p:tavLst>
-                                        <p:tav tm="0">
-                                          <p:val>
-                                            <p:strVal val="#ppt_y"/>
-                                          </p:val>
-                                        </p:tav>
-                                        <p:tav tm="100000">
-                                          <p:val>
-                                            <p:strVal val="#ppt_y"/>
-                                          </p:val>
-                                        </p:tav>
-                                      </p:tavLst>
-                                    </p:anim>
-                                  </p:childTnLst>
-                                </p:cTn>
-                              </p:par>
-                            </p:childTnLst>
-                          </p:cTn>
-                        </p:par>
-                      </p:childTnLst>
-                    </p:cTn>
-                  </p:par>
-                </p:childTnLst>
-              </p:cTn>
-              <p:prevCondLst>
-                <p:cond evt="onPrev" delay="0">
-                  <p:tgtEl>
-                    <p:sldTgt/>
-                  </p:tgtEl>
-                </p:cond>
-              </p:prevCondLst>
-              <p:nextCondLst>
-                <p:cond evt="onNext" delay="0">
-                  <p:tgtEl>
-                    <p:sldTgt/>
-                  </p:tgtEl>
-                </p:cond>
-              </p:nextCondLst>
-            </p:seq>
-          </p:childTnLst>
-        </p:cTn>
-      </p:par>
-    </p:tnLst>
-    <p:bldLst>
-      <p:bldP spid="42" grpId="0"/>
-      <p:bldP spid="8" grpId="0" animBg="1"/>
-    </p:bldLst>
-  </p:timing>
 </p:sld>
 </file>
 

--- a/Java项目展示-步一凡 张美喆副本.pptx
+++ b/Java项目展示-步一凡 张美喆副本.pptx
@@ -4363,7 +4363,7 @@
           <a:bodyPr/>
           <a:lstStyle/>
           <a:p>
-            <a:endParaRPr lang="zh-CN" altLang="en-US"/>
+            <a:endParaRPr lang="zh-CN" altLang="en-US" dirty="0"/>
           </a:p>
         </p:txBody>
       </p:sp>
@@ -16172,7 +16172,7 @@
         <p:spPr>
           <a:xfrm>
             <a:off x="37005" y="1279947"/>
-            <a:ext cx="5984239" cy="4693920"/>
+            <a:ext cx="10888661" cy="4693920"/>
           </a:xfrm>
           <a:prstGeom prst="rect">
             <a:avLst/>
@@ -16270,39 +16270,6 @@
           </a:p>
         </p:txBody>
       </p:sp>
-      <p:pic>
-        <p:nvPicPr>
-          <p:cNvPr id="25" name="图片 24">
-            <a:extLst>
-              <a:ext uri="{FF2B5EF4-FFF2-40B4-BE49-F238E27FC236}">
-                <a16:creationId xmlns:a16="http://schemas.microsoft.com/office/drawing/2014/main" id="{9A3B0893-B1D1-FA4C-F226-ED986C559D4F}"/>
-              </a:ext>
-            </a:extLst>
-          </p:cNvPr>
-          <p:cNvPicPr>
-            <a:picLocks/>
-          </p:cNvPicPr>
-          <p:nvPr/>
-        </p:nvPicPr>
-        <p:blipFill>
-          <a:blip r:embed="rId9"/>
-          <a:stretch>
-            <a:fillRect/>
-          </a:stretch>
-        </p:blipFill>
-        <p:spPr>
-          <a:xfrm>
-            <a:off x="6096000" y="1279947"/>
-            <a:ext cx="6058995" cy="4693920"/>
-          </a:xfrm>
-          <a:prstGeom prst="rect">
-            <a:avLst/>
-          </a:prstGeom>
-          <a:solidFill>
-            <a:srgbClr val="347A91"/>
-          </a:solidFill>
-        </p:spPr>
-      </p:pic>
       <p:sp>
         <p:nvSpPr>
           <p:cNvPr id="3" name="文本框 2">
